--- a/Presentacion-Demo-1.pptx
+++ b/Presentacion-Demo-1.pptx
@@ -3,67 +3,51 @@
 <p:presentation xmlns:a="http://schemas.openxmlformats.org/drawingml/2006/main" xmlns:r="http://schemas.openxmlformats.org/officeDocument/2006/relationships" xmlns:p="http://schemas.openxmlformats.org/presentationml/2006/main" strictFirstAndLastChars="0" embedTrueTypeFonts="1" saveSubsetFonts="1" autoCompressPictures="0">
   <p:sldMasterIdLst>
     <p:sldMasterId id="2147483670" r:id="rId1"/>
-    <p:sldMasterId id="2147483671" r:id="rId2"/>
   </p:sldMasterIdLst>
   <p:notesMasterIdLst>
-    <p:notesMasterId r:id="rId14"/>
+    <p:notesMasterId r:id="rId11"/>
   </p:notesMasterIdLst>
   <p:sldIdLst>
-    <p:sldId id="256" r:id="rId3"/>
-    <p:sldId id="270" r:id="rId4"/>
-    <p:sldId id="259" r:id="rId5"/>
-    <p:sldId id="258" r:id="rId6"/>
-    <p:sldId id="257" r:id="rId7"/>
-    <p:sldId id="297" r:id="rId8"/>
-    <p:sldId id="275" r:id="rId9"/>
-    <p:sldId id="261" r:id="rId10"/>
-    <p:sldId id="269" r:id="rId11"/>
-    <p:sldId id="264" r:id="rId12"/>
-    <p:sldId id="296" r:id="rId13"/>
+    <p:sldId id="256" r:id="rId2"/>
+    <p:sldId id="270" r:id="rId3"/>
+    <p:sldId id="259" r:id="rId4"/>
+    <p:sldId id="258" r:id="rId5"/>
+    <p:sldId id="257" r:id="rId6"/>
+    <p:sldId id="297" r:id="rId7"/>
+    <p:sldId id="275" r:id="rId8"/>
+    <p:sldId id="261" r:id="rId9"/>
+    <p:sldId id="264" r:id="rId10"/>
   </p:sldIdLst>
   <p:sldSz cx="9144000" cy="5143500" type="screen16x9"/>
   <p:notesSz cx="6858000" cy="9144000"/>
   <p:embeddedFontLst>
     <p:embeddedFont>
       <p:font typeface="Maven Pro" panose="020B0604020202020204" charset="0"/>
-      <p:regular r:id="rId15"/>
-      <p:bold r:id="rId16"/>
+      <p:regular r:id="rId12"/>
+      <p:bold r:id="rId13"/>
+    </p:embeddedFont>
+    <p:embeddedFont>
+      <p:font typeface="Share Tech" panose="020B0604020202020204" charset="0"/>
+      <p:regular r:id="rId14"/>
     </p:embeddedFont>
     <p:embeddedFont>
       <p:font typeface="Fira Sans Condensed Medium" panose="020B0604020202020204" charset="0"/>
-      <p:regular r:id="rId17"/>
-      <p:bold r:id="rId18"/>
-      <p:italic r:id="rId19"/>
-      <p:boldItalic r:id="rId20"/>
+      <p:regular r:id="rId15"/>
+      <p:bold r:id="rId16"/>
+      <p:italic r:id="rId17"/>
+      <p:boldItalic r:id="rId18"/>
     </p:embeddedFont>
     <p:embeddedFont>
-      <p:font typeface="Proxima Nova" panose="020B0604020202020204" charset="0"/>
+      <p:font typeface="Fira Sans Extra Condensed Medium" panose="020B0604020202020204" charset="0"/>
+      <p:regular r:id="rId19"/>
+      <p:italic r:id="rId20"/>
+    </p:embeddedFont>
+    <p:embeddedFont>
+      <p:font typeface="Advent Pro SemiBold" panose="020B0604020202020204" charset="0"/>
       <p:regular r:id="rId21"/>
       <p:bold r:id="rId22"/>
       <p:italic r:id="rId23"/>
       <p:boldItalic r:id="rId24"/>
-    </p:embeddedFont>
-    <p:embeddedFont>
-      <p:font typeface="Fira Sans Extra Condensed Medium" panose="020B0604020202020204" charset="0"/>
-      <p:regular r:id="rId25"/>
-      <p:italic r:id="rId26"/>
-    </p:embeddedFont>
-    <p:embeddedFont>
-      <p:font typeface="Share Tech" panose="020B0604020202020204" charset="0"/>
-      <p:regular r:id="rId27"/>
-    </p:embeddedFont>
-    <p:embeddedFont>
-      <p:font typeface="Proxima Nova Semibold" panose="020B0604020202020204" charset="0"/>
-      <p:regular r:id="rId28"/>
-      <p:bold r:id="rId29"/>
-      <p:boldItalic r:id="rId30"/>
-    </p:embeddedFont>
-    <p:embeddedFont>
-      <p:font typeface="Advent Pro SemiBold" panose="020B0604020202020204" charset="0"/>
-      <p:regular r:id="rId31"/>
-      <p:bold r:id="rId32"/>
-      <p:italic r:id="rId33"/>
-      <p:boldItalic r:id="rId34"/>
     </p:embeddedFont>
   </p:embeddedFontLst>
   <p:defaultTextStyle>
@@ -859,110 +843,6 @@
 </p:notes>
 </file>
 
-<file path=ppt/notesSlides/notesSlide10.xml><?xml version="1.0" encoding="utf-8"?>
-<p:notes xmlns:a="http://schemas.openxmlformats.org/drawingml/2006/main" xmlns:r="http://schemas.openxmlformats.org/officeDocument/2006/relationships" xmlns:p="http://schemas.openxmlformats.org/presentationml/2006/main" showMasterSp="0" showMasterPhAnim="0">
-  <p:cSld>
-    <p:spTree>
-      <p:nvGrpSpPr>
-        <p:cNvPr id="1" name="Shape 13789"/>
-        <p:cNvGrpSpPr/>
-        <p:nvPr/>
-      </p:nvGrpSpPr>
-      <p:grpSpPr>
-        <a:xfrm>
-          <a:off x="0" y="0"/>
-          <a:ext cx="0" cy="0"/>
-          <a:chOff x="0" y="0"/>
-          <a:chExt cx="0" cy="0"/>
-        </a:xfrm>
-      </p:grpSpPr>
-      <p:sp>
-        <p:nvSpPr>
-          <p:cNvPr id="13790" name="Google Shape;13790;g70e1a7781e_1_25164:notes"/>
-          <p:cNvSpPr>
-            <a:spLocks noGrp="1" noRot="1" noChangeAspect="1"/>
-          </p:cNvSpPr>
-          <p:nvPr>
-            <p:ph type="sldImg" idx="2"/>
-          </p:nvPr>
-        </p:nvSpPr>
-        <p:spPr>
-          <a:xfrm>
-            <a:off x="381000" y="685800"/>
-            <a:ext cx="6096000" cy="3429000"/>
-          </a:xfrm>
-          <a:custGeom>
-            <a:avLst/>
-            <a:gdLst/>
-            <a:ahLst/>
-            <a:cxnLst/>
-            <a:rect l="l" t="t" r="r" b="b"/>
-            <a:pathLst>
-              <a:path w="120000" h="120000" extrusionOk="0">
-                <a:moveTo>
-                  <a:pt x="0" y="0"/>
-                </a:moveTo>
-                <a:lnTo>
-                  <a:pt x="120000" y="0"/>
-                </a:lnTo>
-                <a:lnTo>
-                  <a:pt x="120000" y="120000"/>
-                </a:lnTo>
-                <a:lnTo>
-                  <a:pt x="0" y="120000"/>
-                </a:lnTo>
-                <a:close/>
-              </a:path>
-            </a:pathLst>
-          </a:custGeom>
-        </p:spPr>
-      </p:sp>
-      <p:sp>
-        <p:nvSpPr>
-          <p:cNvPr id="13791" name="Google Shape;13791;g70e1a7781e_1_25164:notes"/>
-          <p:cNvSpPr txBox="1">
-            <a:spLocks noGrp="1"/>
-          </p:cNvSpPr>
-          <p:nvPr>
-            <p:ph type="body" idx="1"/>
-          </p:nvPr>
-        </p:nvSpPr>
-        <p:spPr>
-          <a:xfrm>
-            <a:off x="685800" y="4343400"/>
-            <a:ext cx="5486400" cy="4114800"/>
-          </a:xfrm>
-          <a:prstGeom prst="rect">
-            <a:avLst/>
-          </a:prstGeom>
-        </p:spPr>
-        <p:txBody>
-          <a:bodyPr spcFirstLastPara="1" wrap="square" lIns="91425" tIns="91425" rIns="91425" bIns="91425" anchor="t" anchorCtr="0">
-            <a:noAutofit/>
-          </a:bodyPr>
-          <a:lstStyle/>
-          <a:p>
-            <a:pPr marL="0" lvl="0" indent="0" algn="l" rtl="0">
-              <a:spcBef>
-                <a:spcPts val="0"/>
-              </a:spcBef>
-              <a:spcAft>
-                <a:spcPts val="0"/>
-              </a:spcAft>
-              <a:buNone/>
-            </a:pPr>
-            <a:endParaRPr/>
-          </a:p>
-        </p:txBody>
-      </p:sp>
-    </p:spTree>
-  </p:cSld>
-  <p:clrMapOvr>
-    <a:masterClrMapping/>
-  </p:clrMapOvr>
-</p:notes>
-</file>
-
 <file path=ppt/notesSlides/notesSlide2.xml><?xml version="1.0" encoding="utf-8"?>
 <p:notes xmlns:a="http://schemas.openxmlformats.org/drawingml/2006/main" xmlns:r="http://schemas.openxmlformats.org/officeDocument/2006/relationships" xmlns:p="http://schemas.openxmlformats.org/presentationml/2006/main" showMasterSp="0" showMasterPhAnim="0">
   <p:cSld>
@@ -1648,110 +1528,6 @@
       <p:sp>
         <p:nvSpPr>
           <p:cNvPr id="598" name="Google Shape;598;g6c4305b01e_0_10:notes"/>
-          <p:cNvSpPr txBox="1">
-            <a:spLocks noGrp="1"/>
-          </p:cNvSpPr>
-          <p:nvPr>
-            <p:ph type="body" idx="1"/>
-          </p:nvPr>
-        </p:nvSpPr>
-        <p:spPr>
-          <a:xfrm>
-            <a:off x="685800" y="4343400"/>
-            <a:ext cx="5486400" cy="4114800"/>
-          </a:xfrm>
-          <a:prstGeom prst="rect">
-            <a:avLst/>
-          </a:prstGeom>
-        </p:spPr>
-        <p:txBody>
-          <a:bodyPr spcFirstLastPara="1" wrap="square" lIns="91425" tIns="91425" rIns="91425" bIns="91425" anchor="t" anchorCtr="0">
-            <a:noAutofit/>
-          </a:bodyPr>
-          <a:lstStyle/>
-          <a:p>
-            <a:pPr marL="0" lvl="0" indent="0" algn="l" rtl="0">
-              <a:spcBef>
-                <a:spcPts val="0"/>
-              </a:spcBef>
-              <a:spcAft>
-                <a:spcPts val="0"/>
-              </a:spcAft>
-              <a:buNone/>
-            </a:pPr>
-            <a:endParaRPr/>
-          </a:p>
-        </p:txBody>
-      </p:sp>
-    </p:spTree>
-  </p:cSld>
-  <p:clrMapOvr>
-    <a:masterClrMapping/>
-  </p:clrMapOvr>
-</p:notes>
-</file>
-
-<file path=ppt/notesSlides/notesSlide9.xml><?xml version="1.0" encoding="utf-8"?>
-<p:notes xmlns:a="http://schemas.openxmlformats.org/drawingml/2006/main" xmlns:r="http://schemas.openxmlformats.org/officeDocument/2006/relationships" xmlns:p="http://schemas.openxmlformats.org/presentationml/2006/main" showMasterSp="0" showMasterPhAnim="0">
-  <p:cSld>
-    <p:spTree>
-      <p:nvGrpSpPr>
-        <p:cNvPr id="1" name="Shape 1080"/>
-        <p:cNvGrpSpPr/>
-        <p:nvPr/>
-      </p:nvGrpSpPr>
-      <p:grpSpPr>
-        <a:xfrm>
-          <a:off x="0" y="0"/>
-          <a:ext cx="0" cy="0"/>
-          <a:chOff x="0" y="0"/>
-          <a:chExt cx="0" cy="0"/>
-        </a:xfrm>
-      </p:grpSpPr>
-      <p:sp>
-        <p:nvSpPr>
-          <p:cNvPr id="1081" name="Google Shape;1081;g6c4305b01e_0_40:notes"/>
-          <p:cNvSpPr>
-            <a:spLocks noGrp="1" noRot="1" noChangeAspect="1"/>
-          </p:cNvSpPr>
-          <p:nvPr>
-            <p:ph type="sldImg" idx="2"/>
-          </p:nvPr>
-        </p:nvSpPr>
-        <p:spPr>
-          <a:xfrm>
-            <a:off x="381300" y="685800"/>
-            <a:ext cx="6096000" cy="3429000"/>
-          </a:xfrm>
-          <a:custGeom>
-            <a:avLst/>
-            <a:gdLst/>
-            <a:ahLst/>
-            <a:cxnLst/>
-            <a:rect l="l" t="t" r="r" b="b"/>
-            <a:pathLst>
-              <a:path w="120000" h="120000" extrusionOk="0">
-                <a:moveTo>
-                  <a:pt x="0" y="0"/>
-                </a:moveTo>
-                <a:lnTo>
-                  <a:pt x="120000" y="0"/>
-                </a:lnTo>
-                <a:lnTo>
-                  <a:pt x="120000" y="120000"/>
-                </a:lnTo>
-                <a:lnTo>
-                  <a:pt x="0" y="120000"/>
-                </a:lnTo>
-                <a:close/>
-              </a:path>
-            </a:pathLst>
-          </a:custGeom>
-        </p:spPr>
-      </p:sp>
-      <p:sp>
-        <p:nvSpPr>
-          <p:cNvPr id="1082" name="Google Shape;1082;g6c4305b01e_0_40:notes"/>
           <p:cNvSpPr txBox="1">
             <a:spLocks noGrp="1"/>
           </p:cNvSpPr>
@@ -3582,31 +3358,6 @@
     <p:spTree>
       <p:nvGrpSpPr>
         <p:cNvPr id="1" name="Shape 425"/>
-        <p:cNvGrpSpPr/>
-        <p:nvPr/>
-      </p:nvGrpSpPr>
-      <p:grpSpPr>
-        <a:xfrm>
-          <a:off x="0" y="0"/>
-          <a:ext cx="0" cy="0"/>
-          <a:chOff x="0" y="0"/>
-          <a:chExt cx="0" cy="0"/>
-        </a:xfrm>
-      </p:grpSpPr>
-    </p:spTree>
-  </p:cSld>
-  <p:clrMapOvr>
-    <a:masterClrMapping/>
-  </p:clrMapOvr>
-</p:sldLayout>
-</file>
-
-<file path=ppt/slideLayouts/slideLayout11.xml><?xml version="1.0" encoding="utf-8"?>
-<p:sldLayout xmlns:a="http://schemas.openxmlformats.org/drawingml/2006/main" xmlns:r="http://schemas.openxmlformats.org/officeDocument/2006/relationships" xmlns:p="http://schemas.openxmlformats.org/presentationml/2006/main" matchingName="Blank slide" type="blank">
-  <p:cSld name="BLANK">
-    <p:spTree>
-      <p:nvGrpSpPr>
-        <p:cNvPr id="1" name="Shape 429"/>
         <p:cNvGrpSpPr/>
         <p:nvPr/>
       </p:nvGrpSpPr>
@@ -15697,1239 +15448,6 @@
     <p:sldLayoutId id="2147483666" r:id="rId8"/>
     <p:sldLayoutId id="2147483667" r:id="rId9"/>
     <p:sldLayoutId id="2147483668" r:id="rId10"/>
-  </p:sldLayoutIdLst>
-  <p:hf sldNum="0" hdr="0" ftr="0" dt="0"/>
-  <p:txStyles>
-    <p:titleStyle>
-      <a:defPPr marR="0" lvl="0" algn="l" rtl="0">
-        <a:lnSpc>
-          <a:spcPct val="100000"/>
-        </a:lnSpc>
-        <a:spcBef>
-          <a:spcPts val="0"/>
-        </a:spcBef>
-        <a:spcAft>
-          <a:spcPts val="0"/>
-        </a:spcAft>
-      </a:defPPr>
-      <a:lvl1pPr marR="0" lvl="0" algn="l" rtl="0">
-        <a:lnSpc>
-          <a:spcPct val="100000"/>
-        </a:lnSpc>
-        <a:spcBef>
-          <a:spcPts val="0"/>
-        </a:spcBef>
-        <a:spcAft>
-          <a:spcPts val="0"/>
-        </a:spcAft>
-        <a:buClr>
-          <a:srgbClr val="000000"/>
-        </a:buClr>
-        <a:buFont typeface="Arial"/>
-        <a:defRPr sz="1400" b="0" i="0" u="none" strike="noStrike" cap="none">
-          <a:solidFill>
-            <a:srgbClr val="000000"/>
-          </a:solidFill>
-          <a:latin typeface="Arial"/>
-          <a:ea typeface="Arial"/>
-          <a:cs typeface="Arial"/>
-          <a:sym typeface="Arial"/>
-        </a:defRPr>
-      </a:lvl1pPr>
-      <a:lvl2pPr marR="0" lvl="1" algn="l" rtl="0">
-        <a:lnSpc>
-          <a:spcPct val="100000"/>
-        </a:lnSpc>
-        <a:spcBef>
-          <a:spcPts val="0"/>
-        </a:spcBef>
-        <a:spcAft>
-          <a:spcPts val="0"/>
-        </a:spcAft>
-        <a:buClr>
-          <a:srgbClr val="000000"/>
-        </a:buClr>
-        <a:buFont typeface="Arial"/>
-        <a:defRPr sz="1400" b="0" i="0" u="none" strike="noStrike" cap="none">
-          <a:solidFill>
-            <a:srgbClr val="000000"/>
-          </a:solidFill>
-          <a:latin typeface="Arial"/>
-          <a:ea typeface="Arial"/>
-          <a:cs typeface="Arial"/>
-          <a:sym typeface="Arial"/>
-        </a:defRPr>
-      </a:lvl2pPr>
-      <a:lvl3pPr marR="0" lvl="2" algn="l" rtl="0">
-        <a:lnSpc>
-          <a:spcPct val="100000"/>
-        </a:lnSpc>
-        <a:spcBef>
-          <a:spcPts val="0"/>
-        </a:spcBef>
-        <a:spcAft>
-          <a:spcPts val="0"/>
-        </a:spcAft>
-        <a:buClr>
-          <a:srgbClr val="000000"/>
-        </a:buClr>
-        <a:buFont typeface="Arial"/>
-        <a:defRPr sz="1400" b="0" i="0" u="none" strike="noStrike" cap="none">
-          <a:solidFill>
-            <a:srgbClr val="000000"/>
-          </a:solidFill>
-          <a:latin typeface="Arial"/>
-          <a:ea typeface="Arial"/>
-          <a:cs typeface="Arial"/>
-          <a:sym typeface="Arial"/>
-        </a:defRPr>
-      </a:lvl3pPr>
-      <a:lvl4pPr marR="0" lvl="3" algn="l" rtl="0">
-        <a:lnSpc>
-          <a:spcPct val="100000"/>
-        </a:lnSpc>
-        <a:spcBef>
-          <a:spcPts val="0"/>
-        </a:spcBef>
-        <a:spcAft>
-          <a:spcPts val="0"/>
-        </a:spcAft>
-        <a:buClr>
-          <a:srgbClr val="000000"/>
-        </a:buClr>
-        <a:buFont typeface="Arial"/>
-        <a:defRPr sz="1400" b="0" i="0" u="none" strike="noStrike" cap="none">
-          <a:solidFill>
-            <a:srgbClr val="000000"/>
-          </a:solidFill>
-          <a:latin typeface="Arial"/>
-          <a:ea typeface="Arial"/>
-          <a:cs typeface="Arial"/>
-          <a:sym typeface="Arial"/>
-        </a:defRPr>
-      </a:lvl4pPr>
-      <a:lvl5pPr marR="0" lvl="4" algn="l" rtl="0">
-        <a:lnSpc>
-          <a:spcPct val="100000"/>
-        </a:lnSpc>
-        <a:spcBef>
-          <a:spcPts val="0"/>
-        </a:spcBef>
-        <a:spcAft>
-          <a:spcPts val="0"/>
-        </a:spcAft>
-        <a:buClr>
-          <a:srgbClr val="000000"/>
-        </a:buClr>
-        <a:buFont typeface="Arial"/>
-        <a:defRPr sz="1400" b="0" i="0" u="none" strike="noStrike" cap="none">
-          <a:solidFill>
-            <a:srgbClr val="000000"/>
-          </a:solidFill>
-          <a:latin typeface="Arial"/>
-          <a:ea typeface="Arial"/>
-          <a:cs typeface="Arial"/>
-          <a:sym typeface="Arial"/>
-        </a:defRPr>
-      </a:lvl5pPr>
-      <a:lvl6pPr marR="0" lvl="5" algn="l" rtl="0">
-        <a:lnSpc>
-          <a:spcPct val="100000"/>
-        </a:lnSpc>
-        <a:spcBef>
-          <a:spcPts val="0"/>
-        </a:spcBef>
-        <a:spcAft>
-          <a:spcPts val="0"/>
-        </a:spcAft>
-        <a:buClr>
-          <a:srgbClr val="000000"/>
-        </a:buClr>
-        <a:buFont typeface="Arial"/>
-        <a:defRPr sz="1400" b="0" i="0" u="none" strike="noStrike" cap="none">
-          <a:solidFill>
-            <a:srgbClr val="000000"/>
-          </a:solidFill>
-          <a:latin typeface="Arial"/>
-          <a:ea typeface="Arial"/>
-          <a:cs typeface="Arial"/>
-          <a:sym typeface="Arial"/>
-        </a:defRPr>
-      </a:lvl6pPr>
-      <a:lvl7pPr marR="0" lvl="6" algn="l" rtl="0">
-        <a:lnSpc>
-          <a:spcPct val="100000"/>
-        </a:lnSpc>
-        <a:spcBef>
-          <a:spcPts val="0"/>
-        </a:spcBef>
-        <a:spcAft>
-          <a:spcPts val="0"/>
-        </a:spcAft>
-        <a:buClr>
-          <a:srgbClr val="000000"/>
-        </a:buClr>
-        <a:buFont typeface="Arial"/>
-        <a:defRPr sz="1400" b="0" i="0" u="none" strike="noStrike" cap="none">
-          <a:solidFill>
-            <a:srgbClr val="000000"/>
-          </a:solidFill>
-          <a:latin typeface="Arial"/>
-          <a:ea typeface="Arial"/>
-          <a:cs typeface="Arial"/>
-          <a:sym typeface="Arial"/>
-        </a:defRPr>
-      </a:lvl7pPr>
-      <a:lvl8pPr marR="0" lvl="7" algn="l" rtl="0">
-        <a:lnSpc>
-          <a:spcPct val="100000"/>
-        </a:lnSpc>
-        <a:spcBef>
-          <a:spcPts val="0"/>
-        </a:spcBef>
-        <a:spcAft>
-          <a:spcPts val="0"/>
-        </a:spcAft>
-        <a:buClr>
-          <a:srgbClr val="000000"/>
-        </a:buClr>
-        <a:buFont typeface="Arial"/>
-        <a:defRPr sz="1400" b="0" i="0" u="none" strike="noStrike" cap="none">
-          <a:solidFill>
-            <a:srgbClr val="000000"/>
-          </a:solidFill>
-          <a:latin typeface="Arial"/>
-          <a:ea typeface="Arial"/>
-          <a:cs typeface="Arial"/>
-          <a:sym typeface="Arial"/>
-        </a:defRPr>
-      </a:lvl8pPr>
-      <a:lvl9pPr marR="0" lvl="8" algn="l" rtl="0">
-        <a:lnSpc>
-          <a:spcPct val="100000"/>
-        </a:lnSpc>
-        <a:spcBef>
-          <a:spcPts val="0"/>
-        </a:spcBef>
-        <a:spcAft>
-          <a:spcPts val="0"/>
-        </a:spcAft>
-        <a:buClr>
-          <a:srgbClr val="000000"/>
-        </a:buClr>
-        <a:buFont typeface="Arial"/>
-        <a:defRPr sz="1400" b="0" i="0" u="none" strike="noStrike" cap="none">
-          <a:solidFill>
-            <a:srgbClr val="000000"/>
-          </a:solidFill>
-          <a:latin typeface="Arial"/>
-          <a:ea typeface="Arial"/>
-          <a:cs typeface="Arial"/>
-          <a:sym typeface="Arial"/>
-        </a:defRPr>
-      </a:lvl9pPr>
-    </p:titleStyle>
-    <p:bodyStyle>
-      <a:defPPr marR="0" lvl="0" algn="l" rtl="0">
-        <a:lnSpc>
-          <a:spcPct val="100000"/>
-        </a:lnSpc>
-        <a:spcBef>
-          <a:spcPts val="0"/>
-        </a:spcBef>
-        <a:spcAft>
-          <a:spcPts val="0"/>
-        </a:spcAft>
-      </a:defPPr>
-      <a:lvl1pPr marR="0" lvl="0" algn="l" rtl="0">
-        <a:lnSpc>
-          <a:spcPct val="100000"/>
-        </a:lnSpc>
-        <a:spcBef>
-          <a:spcPts val="0"/>
-        </a:spcBef>
-        <a:spcAft>
-          <a:spcPts val="0"/>
-        </a:spcAft>
-        <a:buClr>
-          <a:srgbClr val="000000"/>
-        </a:buClr>
-        <a:buFont typeface="Arial"/>
-        <a:defRPr sz="1400" b="0" i="0" u="none" strike="noStrike" cap="none">
-          <a:solidFill>
-            <a:srgbClr val="000000"/>
-          </a:solidFill>
-          <a:latin typeface="Arial"/>
-          <a:ea typeface="Arial"/>
-          <a:cs typeface="Arial"/>
-          <a:sym typeface="Arial"/>
-        </a:defRPr>
-      </a:lvl1pPr>
-      <a:lvl2pPr marR="0" lvl="1" algn="l" rtl="0">
-        <a:lnSpc>
-          <a:spcPct val="100000"/>
-        </a:lnSpc>
-        <a:spcBef>
-          <a:spcPts val="0"/>
-        </a:spcBef>
-        <a:spcAft>
-          <a:spcPts val="0"/>
-        </a:spcAft>
-        <a:buClr>
-          <a:srgbClr val="000000"/>
-        </a:buClr>
-        <a:buFont typeface="Arial"/>
-        <a:defRPr sz="1400" b="0" i="0" u="none" strike="noStrike" cap="none">
-          <a:solidFill>
-            <a:srgbClr val="000000"/>
-          </a:solidFill>
-          <a:latin typeface="Arial"/>
-          <a:ea typeface="Arial"/>
-          <a:cs typeface="Arial"/>
-          <a:sym typeface="Arial"/>
-        </a:defRPr>
-      </a:lvl2pPr>
-      <a:lvl3pPr marR="0" lvl="2" algn="l" rtl="0">
-        <a:lnSpc>
-          <a:spcPct val="100000"/>
-        </a:lnSpc>
-        <a:spcBef>
-          <a:spcPts val="0"/>
-        </a:spcBef>
-        <a:spcAft>
-          <a:spcPts val="0"/>
-        </a:spcAft>
-        <a:buClr>
-          <a:srgbClr val="000000"/>
-        </a:buClr>
-        <a:buFont typeface="Arial"/>
-        <a:defRPr sz="1400" b="0" i="0" u="none" strike="noStrike" cap="none">
-          <a:solidFill>
-            <a:srgbClr val="000000"/>
-          </a:solidFill>
-          <a:latin typeface="Arial"/>
-          <a:ea typeface="Arial"/>
-          <a:cs typeface="Arial"/>
-          <a:sym typeface="Arial"/>
-        </a:defRPr>
-      </a:lvl3pPr>
-      <a:lvl4pPr marR="0" lvl="3" algn="l" rtl="0">
-        <a:lnSpc>
-          <a:spcPct val="100000"/>
-        </a:lnSpc>
-        <a:spcBef>
-          <a:spcPts val="0"/>
-        </a:spcBef>
-        <a:spcAft>
-          <a:spcPts val="0"/>
-        </a:spcAft>
-        <a:buClr>
-          <a:srgbClr val="000000"/>
-        </a:buClr>
-        <a:buFont typeface="Arial"/>
-        <a:defRPr sz="1400" b="0" i="0" u="none" strike="noStrike" cap="none">
-          <a:solidFill>
-            <a:srgbClr val="000000"/>
-          </a:solidFill>
-          <a:latin typeface="Arial"/>
-          <a:ea typeface="Arial"/>
-          <a:cs typeface="Arial"/>
-          <a:sym typeface="Arial"/>
-        </a:defRPr>
-      </a:lvl4pPr>
-      <a:lvl5pPr marR="0" lvl="4" algn="l" rtl="0">
-        <a:lnSpc>
-          <a:spcPct val="100000"/>
-        </a:lnSpc>
-        <a:spcBef>
-          <a:spcPts val="0"/>
-        </a:spcBef>
-        <a:spcAft>
-          <a:spcPts val="0"/>
-        </a:spcAft>
-        <a:buClr>
-          <a:srgbClr val="000000"/>
-        </a:buClr>
-        <a:buFont typeface="Arial"/>
-        <a:defRPr sz="1400" b="0" i="0" u="none" strike="noStrike" cap="none">
-          <a:solidFill>
-            <a:srgbClr val="000000"/>
-          </a:solidFill>
-          <a:latin typeface="Arial"/>
-          <a:ea typeface="Arial"/>
-          <a:cs typeface="Arial"/>
-          <a:sym typeface="Arial"/>
-        </a:defRPr>
-      </a:lvl5pPr>
-      <a:lvl6pPr marR="0" lvl="5" algn="l" rtl="0">
-        <a:lnSpc>
-          <a:spcPct val="100000"/>
-        </a:lnSpc>
-        <a:spcBef>
-          <a:spcPts val="0"/>
-        </a:spcBef>
-        <a:spcAft>
-          <a:spcPts val="0"/>
-        </a:spcAft>
-        <a:buClr>
-          <a:srgbClr val="000000"/>
-        </a:buClr>
-        <a:buFont typeface="Arial"/>
-        <a:defRPr sz="1400" b="0" i="0" u="none" strike="noStrike" cap="none">
-          <a:solidFill>
-            <a:srgbClr val="000000"/>
-          </a:solidFill>
-          <a:latin typeface="Arial"/>
-          <a:ea typeface="Arial"/>
-          <a:cs typeface="Arial"/>
-          <a:sym typeface="Arial"/>
-        </a:defRPr>
-      </a:lvl6pPr>
-      <a:lvl7pPr marR="0" lvl="6" algn="l" rtl="0">
-        <a:lnSpc>
-          <a:spcPct val="100000"/>
-        </a:lnSpc>
-        <a:spcBef>
-          <a:spcPts val="0"/>
-        </a:spcBef>
-        <a:spcAft>
-          <a:spcPts val="0"/>
-        </a:spcAft>
-        <a:buClr>
-          <a:srgbClr val="000000"/>
-        </a:buClr>
-        <a:buFont typeface="Arial"/>
-        <a:defRPr sz="1400" b="0" i="0" u="none" strike="noStrike" cap="none">
-          <a:solidFill>
-            <a:srgbClr val="000000"/>
-          </a:solidFill>
-          <a:latin typeface="Arial"/>
-          <a:ea typeface="Arial"/>
-          <a:cs typeface="Arial"/>
-          <a:sym typeface="Arial"/>
-        </a:defRPr>
-      </a:lvl7pPr>
-      <a:lvl8pPr marR="0" lvl="7" algn="l" rtl="0">
-        <a:lnSpc>
-          <a:spcPct val="100000"/>
-        </a:lnSpc>
-        <a:spcBef>
-          <a:spcPts val="0"/>
-        </a:spcBef>
-        <a:spcAft>
-          <a:spcPts val="0"/>
-        </a:spcAft>
-        <a:buClr>
-          <a:srgbClr val="000000"/>
-        </a:buClr>
-        <a:buFont typeface="Arial"/>
-        <a:defRPr sz="1400" b="0" i="0" u="none" strike="noStrike" cap="none">
-          <a:solidFill>
-            <a:srgbClr val="000000"/>
-          </a:solidFill>
-          <a:latin typeface="Arial"/>
-          <a:ea typeface="Arial"/>
-          <a:cs typeface="Arial"/>
-          <a:sym typeface="Arial"/>
-        </a:defRPr>
-      </a:lvl8pPr>
-      <a:lvl9pPr marR="0" lvl="8" algn="l" rtl="0">
-        <a:lnSpc>
-          <a:spcPct val="100000"/>
-        </a:lnSpc>
-        <a:spcBef>
-          <a:spcPts val="0"/>
-        </a:spcBef>
-        <a:spcAft>
-          <a:spcPts val="0"/>
-        </a:spcAft>
-        <a:buClr>
-          <a:srgbClr val="000000"/>
-        </a:buClr>
-        <a:buFont typeface="Arial"/>
-        <a:defRPr sz="1400" b="0" i="0" u="none" strike="noStrike" cap="none">
-          <a:solidFill>
-            <a:srgbClr val="000000"/>
-          </a:solidFill>
-          <a:latin typeface="Arial"/>
-          <a:ea typeface="Arial"/>
-          <a:cs typeface="Arial"/>
-          <a:sym typeface="Arial"/>
-        </a:defRPr>
-      </a:lvl9pPr>
-    </p:bodyStyle>
-    <p:otherStyle>
-      <a:defPPr marR="0" lvl="0" algn="l" rtl="0">
-        <a:lnSpc>
-          <a:spcPct val="100000"/>
-        </a:lnSpc>
-        <a:spcBef>
-          <a:spcPts val="0"/>
-        </a:spcBef>
-        <a:spcAft>
-          <a:spcPts val="0"/>
-        </a:spcAft>
-      </a:defPPr>
-      <a:lvl1pPr marR="0" lvl="0" algn="l" rtl="0">
-        <a:lnSpc>
-          <a:spcPct val="100000"/>
-        </a:lnSpc>
-        <a:spcBef>
-          <a:spcPts val="0"/>
-        </a:spcBef>
-        <a:spcAft>
-          <a:spcPts val="0"/>
-        </a:spcAft>
-        <a:buClr>
-          <a:srgbClr val="000000"/>
-        </a:buClr>
-        <a:buFont typeface="Arial"/>
-        <a:defRPr sz="1400" b="0" i="0" u="none" strike="noStrike" cap="none">
-          <a:solidFill>
-            <a:srgbClr val="000000"/>
-          </a:solidFill>
-          <a:latin typeface="Arial"/>
-          <a:ea typeface="Arial"/>
-          <a:cs typeface="Arial"/>
-          <a:sym typeface="Arial"/>
-        </a:defRPr>
-      </a:lvl1pPr>
-      <a:lvl2pPr marR="0" lvl="1" algn="l" rtl="0">
-        <a:lnSpc>
-          <a:spcPct val="100000"/>
-        </a:lnSpc>
-        <a:spcBef>
-          <a:spcPts val="0"/>
-        </a:spcBef>
-        <a:spcAft>
-          <a:spcPts val="0"/>
-        </a:spcAft>
-        <a:buClr>
-          <a:srgbClr val="000000"/>
-        </a:buClr>
-        <a:buFont typeface="Arial"/>
-        <a:defRPr sz="1400" b="0" i="0" u="none" strike="noStrike" cap="none">
-          <a:solidFill>
-            <a:srgbClr val="000000"/>
-          </a:solidFill>
-          <a:latin typeface="Arial"/>
-          <a:ea typeface="Arial"/>
-          <a:cs typeface="Arial"/>
-          <a:sym typeface="Arial"/>
-        </a:defRPr>
-      </a:lvl2pPr>
-      <a:lvl3pPr marR="0" lvl="2" algn="l" rtl="0">
-        <a:lnSpc>
-          <a:spcPct val="100000"/>
-        </a:lnSpc>
-        <a:spcBef>
-          <a:spcPts val="0"/>
-        </a:spcBef>
-        <a:spcAft>
-          <a:spcPts val="0"/>
-        </a:spcAft>
-        <a:buClr>
-          <a:srgbClr val="000000"/>
-        </a:buClr>
-        <a:buFont typeface="Arial"/>
-        <a:defRPr sz="1400" b="0" i="0" u="none" strike="noStrike" cap="none">
-          <a:solidFill>
-            <a:srgbClr val="000000"/>
-          </a:solidFill>
-          <a:latin typeface="Arial"/>
-          <a:ea typeface="Arial"/>
-          <a:cs typeface="Arial"/>
-          <a:sym typeface="Arial"/>
-        </a:defRPr>
-      </a:lvl3pPr>
-      <a:lvl4pPr marR="0" lvl="3" algn="l" rtl="0">
-        <a:lnSpc>
-          <a:spcPct val="100000"/>
-        </a:lnSpc>
-        <a:spcBef>
-          <a:spcPts val="0"/>
-        </a:spcBef>
-        <a:spcAft>
-          <a:spcPts val="0"/>
-        </a:spcAft>
-        <a:buClr>
-          <a:srgbClr val="000000"/>
-        </a:buClr>
-        <a:buFont typeface="Arial"/>
-        <a:defRPr sz="1400" b="0" i="0" u="none" strike="noStrike" cap="none">
-          <a:solidFill>
-            <a:srgbClr val="000000"/>
-          </a:solidFill>
-          <a:latin typeface="Arial"/>
-          <a:ea typeface="Arial"/>
-          <a:cs typeface="Arial"/>
-          <a:sym typeface="Arial"/>
-        </a:defRPr>
-      </a:lvl4pPr>
-      <a:lvl5pPr marR="0" lvl="4" algn="l" rtl="0">
-        <a:lnSpc>
-          <a:spcPct val="100000"/>
-        </a:lnSpc>
-        <a:spcBef>
-          <a:spcPts val="0"/>
-        </a:spcBef>
-        <a:spcAft>
-          <a:spcPts val="0"/>
-        </a:spcAft>
-        <a:buClr>
-          <a:srgbClr val="000000"/>
-        </a:buClr>
-        <a:buFont typeface="Arial"/>
-        <a:defRPr sz="1400" b="0" i="0" u="none" strike="noStrike" cap="none">
-          <a:solidFill>
-            <a:srgbClr val="000000"/>
-          </a:solidFill>
-          <a:latin typeface="Arial"/>
-          <a:ea typeface="Arial"/>
-          <a:cs typeface="Arial"/>
-          <a:sym typeface="Arial"/>
-        </a:defRPr>
-      </a:lvl5pPr>
-      <a:lvl6pPr marR="0" lvl="5" algn="l" rtl="0">
-        <a:lnSpc>
-          <a:spcPct val="100000"/>
-        </a:lnSpc>
-        <a:spcBef>
-          <a:spcPts val="0"/>
-        </a:spcBef>
-        <a:spcAft>
-          <a:spcPts val="0"/>
-        </a:spcAft>
-        <a:buClr>
-          <a:srgbClr val="000000"/>
-        </a:buClr>
-        <a:buFont typeface="Arial"/>
-        <a:defRPr sz="1400" b="0" i="0" u="none" strike="noStrike" cap="none">
-          <a:solidFill>
-            <a:srgbClr val="000000"/>
-          </a:solidFill>
-          <a:latin typeface="Arial"/>
-          <a:ea typeface="Arial"/>
-          <a:cs typeface="Arial"/>
-          <a:sym typeface="Arial"/>
-        </a:defRPr>
-      </a:lvl6pPr>
-      <a:lvl7pPr marR="0" lvl="6" algn="l" rtl="0">
-        <a:lnSpc>
-          <a:spcPct val="100000"/>
-        </a:lnSpc>
-        <a:spcBef>
-          <a:spcPts val="0"/>
-        </a:spcBef>
-        <a:spcAft>
-          <a:spcPts val="0"/>
-        </a:spcAft>
-        <a:buClr>
-          <a:srgbClr val="000000"/>
-        </a:buClr>
-        <a:buFont typeface="Arial"/>
-        <a:defRPr sz="1400" b="0" i="0" u="none" strike="noStrike" cap="none">
-          <a:solidFill>
-            <a:srgbClr val="000000"/>
-          </a:solidFill>
-          <a:latin typeface="Arial"/>
-          <a:ea typeface="Arial"/>
-          <a:cs typeface="Arial"/>
-          <a:sym typeface="Arial"/>
-        </a:defRPr>
-      </a:lvl7pPr>
-      <a:lvl8pPr marR="0" lvl="7" algn="l" rtl="0">
-        <a:lnSpc>
-          <a:spcPct val="100000"/>
-        </a:lnSpc>
-        <a:spcBef>
-          <a:spcPts val="0"/>
-        </a:spcBef>
-        <a:spcAft>
-          <a:spcPts val="0"/>
-        </a:spcAft>
-        <a:buClr>
-          <a:srgbClr val="000000"/>
-        </a:buClr>
-        <a:buFont typeface="Arial"/>
-        <a:defRPr sz="1400" b="0" i="0" u="none" strike="noStrike" cap="none">
-          <a:solidFill>
-            <a:srgbClr val="000000"/>
-          </a:solidFill>
-          <a:latin typeface="Arial"/>
-          <a:ea typeface="Arial"/>
-          <a:cs typeface="Arial"/>
-          <a:sym typeface="Arial"/>
-        </a:defRPr>
-      </a:lvl8pPr>
-      <a:lvl9pPr marR="0" lvl="8" algn="l" rtl="0">
-        <a:lnSpc>
-          <a:spcPct val="100000"/>
-        </a:lnSpc>
-        <a:spcBef>
-          <a:spcPts val="0"/>
-        </a:spcBef>
-        <a:spcAft>
-          <a:spcPts val="0"/>
-        </a:spcAft>
-        <a:buClr>
-          <a:srgbClr val="000000"/>
-        </a:buClr>
-        <a:buFont typeface="Arial"/>
-        <a:defRPr sz="1400" b="0" i="0" u="none" strike="noStrike" cap="none">
-          <a:solidFill>
-            <a:srgbClr val="000000"/>
-          </a:solidFill>
-          <a:latin typeface="Arial"/>
-          <a:ea typeface="Arial"/>
-          <a:cs typeface="Arial"/>
-          <a:sym typeface="Arial"/>
-        </a:defRPr>
-      </a:lvl9pPr>
-    </p:otherStyle>
-  </p:txStyles>
-</p:sldMaster>
-</file>
-
-<file path=ppt/slideMasters/slideMaster2.xml><?xml version="1.0" encoding="utf-8"?>
-<p:sldMaster xmlns:a="http://schemas.openxmlformats.org/drawingml/2006/main" xmlns:r="http://schemas.openxmlformats.org/officeDocument/2006/relationships" xmlns:p="http://schemas.openxmlformats.org/presentationml/2006/main">
-  <p:cSld name="simple-light-2">
-    <p:bg>
-      <p:bgPr>
-        <a:solidFill>
-          <a:srgbClr val="0E2A47"/>
-        </a:solidFill>
-        <a:effectLst/>
-      </p:bgPr>
-    </p:bg>
-    <p:spTree>
-      <p:nvGrpSpPr>
-        <p:cNvPr id="1" name="Shape 426"/>
-        <p:cNvGrpSpPr/>
-        <p:nvPr/>
-      </p:nvGrpSpPr>
-      <p:grpSpPr>
-        <a:xfrm>
-          <a:off x="0" y="0"/>
-          <a:ext cx="0" cy="0"/>
-          <a:chOff x="0" y="0"/>
-          <a:chExt cx="0" cy="0"/>
-        </a:xfrm>
-      </p:grpSpPr>
-      <p:sp>
-        <p:nvSpPr>
-          <p:cNvPr id="427" name="Google Shape;427;p23"/>
-          <p:cNvSpPr txBox="1">
-            <a:spLocks noGrp="1"/>
-          </p:cNvSpPr>
-          <p:nvPr>
-            <p:ph type="title"/>
-          </p:nvPr>
-        </p:nvSpPr>
-        <p:spPr>
-          <a:xfrm>
-            <a:off x="1068100" y="933450"/>
-            <a:ext cx="7047300" cy="482400"/>
-          </a:xfrm>
-          <a:prstGeom prst="rect">
-            <a:avLst/>
-          </a:prstGeom>
-          <a:noFill/>
-          <a:ln>
-            <a:noFill/>
-          </a:ln>
-        </p:spPr>
-        <p:txBody>
-          <a:bodyPr spcFirstLastPara="1" wrap="square" lIns="91425" tIns="91425" rIns="91425" bIns="91425" anchor="t" anchorCtr="0">
-            <a:noAutofit/>
-          </a:bodyPr>
-          <a:lstStyle>
-            <a:lvl1pPr lvl="0" algn="ctr" rtl="0">
-              <a:spcBef>
-                <a:spcPts val="0"/>
-              </a:spcBef>
-              <a:spcAft>
-                <a:spcPts val="0"/>
-              </a:spcAft>
-              <a:buClr>
-                <a:srgbClr val="FFFFFF"/>
-              </a:buClr>
-              <a:buSzPts val="2400"/>
-              <a:buFont typeface="Proxima Nova Semibold"/>
-              <a:buNone/>
-              <a:defRPr sz="2400">
-                <a:solidFill>
-                  <a:srgbClr val="FFFFFF"/>
-                </a:solidFill>
-                <a:latin typeface="Proxima Nova Semibold"/>
-                <a:ea typeface="Proxima Nova Semibold"/>
-                <a:cs typeface="Proxima Nova Semibold"/>
-                <a:sym typeface="Proxima Nova Semibold"/>
-              </a:defRPr>
-            </a:lvl1pPr>
-            <a:lvl2pPr lvl="1" algn="ctr" rtl="0">
-              <a:spcBef>
-                <a:spcPts val="0"/>
-              </a:spcBef>
-              <a:spcAft>
-                <a:spcPts val="0"/>
-              </a:spcAft>
-              <a:buClr>
-                <a:srgbClr val="FFFFFF"/>
-              </a:buClr>
-              <a:buSzPts val="2400"/>
-              <a:buFont typeface="Proxima Nova Semibold"/>
-              <a:buNone/>
-              <a:defRPr sz="2400">
-                <a:solidFill>
-                  <a:srgbClr val="FFFFFF"/>
-                </a:solidFill>
-                <a:latin typeface="Proxima Nova Semibold"/>
-                <a:ea typeface="Proxima Nova Semibold"/>
-                <a:cs typeface="Proxima Nova Semibold"/>
-                <a:sym typeface="Proxima Nova Semibold"/>
-              </a:defRPr>
-            </a:lvl2pPr>
-            <a:lvl3pPr lvl="2" algn="ctr" rtl="0">
-              <a:spcBef>
-                <a:spcPts val="0"/>
-              </a:spcBef>
-              <a:spcAft>
-                <a:spcPts val="0"/>
-              </a:spcAft>
-              <a:buClr>
-                <a:srgbClr val="FFFFFF"/>
-              </a:buClr>
-              <a:buSzPts val="2400"/>
-              <a:buFont typeface="Proxima Nova Semibold"/>
-              <a:buNone/>
-              <a:defRPr sz="2400">
-                <a:solidFill>
-                  <a:srgbClr val="FFFFFF"/>
-                </a:solidFill>
-                <a:latin typeface="Proxima Nova Semibold"/>
-                <a:ea typeface="Proxima Nova Semibold"/>
-                <a:cs typeface="Proxima Nova Semibold"/>
-                <a:sym typeface="Proxima Nova Semibold"/>
-              </a:defRPr>
-            </a:lvl3pPr>
-            <a:lvl4pPr lvl="3" algn="ctr" rtl="0">
-              <a:spcBef>
-                <a:spcPts val="0"/>
-              </a:spcBef>
-              <a:spcAft>
-                <a:spcPts val="0"/>
-              </a:spcAft>
-              <a:buClr>
-                <a:srgbClr val="FFFFFF"/>
-              </a:buClr>
-              <a:buSzPts val="2400"/>
-              <a:buFont typeface="Proxima Nova Semibold"/>
-              <a:buNone/>
-              <a:defRPr sz="2400">
-                <a:solidFill>
-                  <a:srgbClr val="FFFFFF"/>
-                </a:solidFill>
-                <a:latin typeface="Proxima Nova Semibold"/>
-                <a:ea typeface="Proxima Nova Semibold"/>
-                <a:cs typeface="Proxima Nova Semibold"/>
-                <a:sym typeface="Proxima Nova Semibold"/>
-              </a:defRPr>
-            </a:lvl4pPr>
-            <a:lvl5pPr lvl="4" algn="ctr" rtl="0">
-              <a:spcBef>
-                <a:spcPts val="0"/>
-              </a:spcBef>
-              <a:spcAft>
-                <a:spcPts val="0"/>
-              </a:spcAft>
-              <a:buClr>
-                <a:srgbClr val="FFFFFF"/>
-              </a:buClr>
-              <a:buSzPts val="2400"/>
-              <a:buFont typeface="Proxima Nova Semibold"/>
-              <a:buNone/>
-              <a:defRPr sz="2400">
-                <a:solidFill>
-                  <a:srgbClr val="FFFFFF"/>
-                </a:solidFill>
-                <a:latin typeface="Proxima Nova Semibold"/>
-                <a:ea typeface="Proxima Nova Semibold"/>
-                <a:cs typeface="Proxima Nova Semibold"/>
-                <a:sym typeface="Proxima Nova Semibold"/>
-              </a:defRPr>
-            </a:lvl5pPr>
-            <a:lvl6pPr lvl="5" algn="ctr" rtl="0">
-              <a:spcBef>
-                <a:spcPts val="0"/>
-              </a:spcBef>
-              <a:spcAft>
-                <a:spcPts val="0"/>
-              </a:spcAft>
-              <a:buClr>
-                <a:srgbClr val="FFFFFF"/>
-              </a:buClr>
-              <a:buSzPts val="2400"/>
-              <a:buFont typeface="Proxima Nova Semibold"/>
-              <a:buNone/>
-              <a:defRPr sz="2400">
-                <a:solidFill>
-                  <a:srgbClr val="FFFFFF"/>
-                </a:solidFill>
-                <a:latin typeface="Proxima Nova Semibold"/>
-                <a:ea typeface="Proxima Nova Semibold"/>
-                <a:cs typeface="Proxima Nova Semibold"/>
-                <a:sym typeface="Proxima Nova Semibold"/>
-              </a:defRPr>
-            </a:lvl6pPr>
-            <a:lvl7pPr lvl="6" algn="ctr" rtl="0">
-              <a:spcBef>
-                <a:spcPts val="0"/>
-              </a:spcBef>
-              <a:spcAft>
-                <a:spcPts val="0"/>
-              </a:spcAft>
-              <a:buClr>
-                <a:srgbClr val="FFFFFF"/>
-              </a:buClr>
-              <a:buSzPts val="2400"/>
-              <a:buFont typeface="Proxima Nova Semibold"/>
-              <a:buNone/>
-              <a:defRPr sz="2400">
-                <a:solidFill>
-                  <a:srgbClr val="FFFFFF"/>
-                </a:solidFill>
-                <a:latin typeface="Proxima Nova Semibold"/>
-                <a:ea typeface="Proxima Nova Semibold"/>
-                <a:cs typeface="Proxima Nova Semibold"/>
-                <a:sym typeface="Proxima Nova Semibold"/>
-              </a:defRPr>
-            </a:lvl7pPr>
-            <a:lvl8pPr lvl="7" algn="ctr" rtl="0">
-              <a:spcBef>
-                <a:spcPts val="0"/>
-              </a:spcBef>
-              <a:spcAft>
-                <a:spcPts val="0"/>
-              </a:spcAft>
-              <a:buClr>
-                <a:srgbClr val="FFFFFF"/>
-              </a:buClr>
-              <a:buSzPts val="2400"/>
-              <a:buFont typeface="Proxima Nova Semibold"/>
-              <a:buNone/>
-              <a:defRPr sz="2400">
-                <a:solidFill>
-                  <a:srgbClr val="FFFFFF"/>
-                </a:solidFill>
-                <a:latin typeface="Proxima Nova Semibold"/>
-                <a:ea typeface="Proxima Nova Semibold"/>
-                <a:cs typeface="Proxima Nova Semibold"/>
-                <a:sym typeface="Proxima Nova Semibold"/>
-              </a:defRPr>
-            </a:lvl8pPr>
-            <a:lvl9pPr lvl="8" algn="ctr" rtl="0">
-              <a:spcBef>
-                <a:spcPts val="0"/>
-              </a:spcBef>
-              <a:spcAft>
-                <a:spcPts val="0"/>
-              </a:spcAft>
-              <a:buClr>
-                <a:srgbClr val="FFFFFF"/>
-              </a:buClr>
-              <a:buSzPts val="2400"/>
-              <a:buFont typeface="Proxima Nova Semibold"/>
-              <a:buNone/>
-              <a:defRPr sz="2400">
-                <a:solidFill>
-                  <a:srgbClr val="FFFFFF"/>
-                </a:solidFill>
-                <a:latin typeface="Proxima Nova Semibold"/>
-                <a:ea typeface="Proxima Nova Semibold"/>
-                <a:cs typeface="Proxima Nova Semibold"/>
-                <a:sym typeface="Proxima Nova Semibold"/>
-              </a:defRPr>
-            </a:lvl9pPr>
-          </a:lstStyle>
-          <a:p>
-            <a:endParaRPr/>
-          </a:p>
-        </p:txBody>
-      </p:sp>
-      <p:sp>
-        <p:nvSpPr>
-          <p:cNvPr id="428" name="Google Shape;428;p23"/>
-          <p:cNvSpPr txBox="1">
-            <a:spLocks noGrp="1"/>
-          </p:cNvSpPr>
-          <p:nvPr>
-            <p:ph type="body" idx="1"/>
-          </p:nvPr>
-        </p:nvSpPr>
-        <p:spPr>
-          <a:xfrm>
-            <a:off x="1068100" y="1695450"/>
-            <a:ext cx="7047300" cy="2502000"/>
-          </a:xfrm>
-          <a:prstGeom prst="rect">
-            <a:avLst/>
-          </a:prstGeom>
-          <a:noFill/>
-          <a:ln>
-            <a:noFill/>
-          </a:ln>
-        </p:spPr>
-        <p:txBody>
-          <a:bodyPr spcFirstLastPara="1" wrap="square" lIns="91425" tIns="91425" rIns="91425" bIns="91425" anchor="t" anchorCtr="0">
-            <a:noAutofit/>
-          </a:bodyPr>
-          <a:lstStyle>
-            <a:lvl1pPr marL="457200" lvl="0" indent="-298450" rtl="0">
-              <a:lnSpc>
-                <a:spcPct val="115000"/>
-              </a:lnSpc>
-              <a:spcBef>
-                <a:spcPts val="0"/>
-              </a:spcBef>
-              <a:spcAft>
-                <a:spcPts val="0"/>
-              </a:spcAft>
-              <a:buClr>
-                <a:srgbClr val="435D74"/>
-              </a:buClr>
-              <a:buSzPts val="1100"/>
-              <a:buFont typeface="Proxima Nova"/>
-              <a:buChar char="●"/>
-              <a:defRPr sz="1100">
-                <a:solidFill>
-                  <a:srgbClr val="435D74"/>
-                </a:solidFill>
-                <a:latin typeface="Proxima Nova"/>
-                <a:ea typeface="Proxima Nova"/>
-                <a:cs typeface="Proxima Nova"/>
-                <a:sym typeface="Proxima Nova"/>
-              </a:defRPr>
-            </a:lvl1pPr>
-            <a:lvl2pPr marL="914400" lvl="1" indent="-298450" rtl="0">
-              <a:lnSpc>
-                <a:spcPct val="115000"/>
-              </a:lnSpc>
-              <a:spcBef>
-                <a:spcPts val="0"/>
-              </a:spcBef>
-              <a:spcAft>
-                <a:spcPts val="0"/>
-              </a:spcAft>
-              <a:buClr>
-                <a:srgbClr val="435D74"/>
-              </a:buClr>
-              <a:buSzPts val="1100"/>
-              <a:buFont typeface="Proxima Nova"/>
-              <a:buChar char="○"/>
-              <a:defRPr sz="1100">
-                <a:solidFill>
-                  <a:srgbClr val="435D74"/>
-                </a:solidFill>
-                <a:latin typeface="Proxima Nova"/>
-                <a:ea typeface="Proxima Nova"/>
-                <a:cs typeface="Proxima Nova"/>
-                <a:sym typeface="Proxima Nova"/>
-              </a:defRPr>
-            </a:lvl2pPr>
-            <a:lvl3pPr marL="1371600" lvl="2" indent="-298450" rtl="0">
-              <a:lnSpc>
-                <a:spcPct val="115000"/>
-              </a:lnSpc>
-              <a:spcBef>
-                <a:spcPts val="0"/>
-              </a:spcBef>
-              <a:spcAft>
-                <a:spcPts val="0"/>
-              </a:spcAft>
-              <a:buClr>
-                <a:srgbClr val="435D74"/>
-              </a:buClr>
-              <a:buSzPts val="1100"/>
-              <a:buFont typeface="Proxima Nova"/>
-              <a:buChar char="■"/>
-              <a:defRPr sz="1100">
-                <a:solidFill>
-                  <a:srgbClr val="435D74"/>
-                </a:solidFill>
-                <a:latin typeface="Proxima Nova"/>
-                <a:ea typeface="Proxima Nova"/>
-                <a:cs typeface="Proxima Nova"/>
-                <a:sym typeface="Proxima Nova"/>
-              </a:defRPr>
-            </a:lvl3pPr>
-            <a:lvl4pPr marL="1828800" lvl="3" indent="-298450" rtl="0">
-              <a:lnSpc>
-                <a:spcPct val="115000"/>
-              </a:lnSpc>
-              <a:spcBef>
-                <a:spcPts val="0"/>
-              </a:spcBef>
-              <a:spcAft>
-                <a:spcPts val="0"/>
-              </a:spcAft>
-              <a:buClr>
-                <a:srgbClr val="435D74"/>
-              </a:buClr>
-              <a:buSzPts val="1100"/>
-              <a:buFont typeface="Proxima Nova"/>
-              <a:buChar char="●"/>
-              <a:defRPr sz="1100">
-                <a:solidFill>
-                  <a:srgbClr val="435D74"/>
-                </a:solidFill>
-                <a:latin typeface="Proxima Nova"/>
-                <a:ea typeface="Proxima Nova"/>
-                <a:cs typeface="Proxima Nova"/>
-                <a:sym typeface="Proxima Nova"/>
-              </a:defRPr>
-            </a:lvl4pPr>
-            <a:lvl5pPr marL="2286000" lvl="4" indent="-298450" rtl="0">
-              <a:lnSpc>
-                <a:spcPct val="115000"/>
-              </a:lnSpc>
-              <a:spcBef>
-                <a:spcPts val="0"/>
-              </a:spcBef>
-              <a:spcAft>
-                <a:spcPts val="0"/>
-              </a:spcAft>
-              <a:buClr>
-                <a:srgbClr val="435D74"/>
-              </a:buClr>
-              <a:buSzPts val="1100"/>
-              <a:buFont typeface="Proxima Nova"/>
-              <a:buChar char="○"/>
-              <a:defRPr sz="1100">
-                <a:solidFill>
-                  <a:srgbClr val="435D74"/>
-                </a:solidFill>
-                <a:latin typeface="Proxima Nova"/>
-                <a:ea typeface="Proxima Nova"/>
-                <a:cs typeface="Proxima Nova"/>
-                <a:sym typeface="Proxima Nova"/>
-              </a:defRPr>
-            </a:lvl5pPr>
-            <a:lvl6pPr marL="2743200" lvl="5" indent="-298450" rtl="0">
-              <a:lnSpc>
-                <a:spcPct val="115000"/>
-              </a:lnSpc>
-              <a:spcBef>
-                <a:spcPts val="0"/>
-              </a:spcBef>
-              <a:spcAft>
-                <a:spcPts val="0"/>
-              </a:spcAft>
-              <a:buClr>
-                <a:srgbClr val="435D74"/>
-              </a:buClr>
-              <a:buSzPts val="1100"/>
-              <a:buFont typeface="Proxima Nova"/>
-              <a:buChar char="■"/>
-              <a:defRPr sz="1100">
-                <a:solidFill>
-                  <a:srgbClr val="435D74"/>
-                </a:solidFill>
-                <a:latin typeface="Proxima Nova"/>
-                <a:ea typeface="Proxima Nova"/>
-                <a:cs typeface="Proxima Nova"/>
-                <a:sym typeface="Proxima Nova"/>
-              </a:defRPr>
-            </a:lvl6pPr>
-            <a:lvl7pPr marL="3200400" lvl="6" indent="-298450" rtl="0">
-              <a:lnSpc>
-                <a:spcPct val="115000"/>
-              </a:lnSpc>
-              <a:spcBef>
-                <a:spcPts val="0"/>
-              </a:spcBef>
-              <a:spcAft>
-                <a:spcPts val="0"/>
-              </a:spcAft>
-              <a:buClr>
-                <a:srgbClr val="435D74"/>
-              </a:buClr>
-              <a:buSzPts val="1100"/>
-              <a:buFont typeface="Proxima Nova"/>
-              <a:buChar char="●"/>
-              <a:defRPr sz="1100">
-                <a:solidFill>
-                  <a:srgbClr val="435D74"/>
-                </a:solidFill>
-                <a:latin typeface="Proxima Nova"/>
-                <a:ea typeface="Proxima Nova"/>
-                <a:cs typeface="Proxima Nova"/>
-                <a:sym typeface="Proxima Nova"/>
-              </a:defRPr>
-            </a:lvl7pPr>
-            <a:lvl8pPr marL="3657600" lvl="7" indent="-298450" rtl="0">
-              <a:lnSpc>
-                <a:spcPct val="115000"/>
-              </a:lnSpc>
-              <a:spcBef>
-                <a:spcPts val="0"/>
-              </a:spcBef>
-              <a:spcAft>
-                <a:spcPts val="0"/>
-              </a:spcAft>
-              <a:buClr>
-                <a:srgbClr val="435D74"/>
-              </a:buClr>
-              <a:buSzPts val="1100"/>
-              <a:buFont typeface="Proxima Nova"/>
-              <a:buChar char="○"/>
-              <a:defRPr sz="1100">
-                <a:solidFill>
-                  <a:srgbClr val="435D74"/>
-                </a:solidFill>
-                <a:latin typeface="Proxima Nova"/>
-                <a:ea typeface="Proxima Nova"/>
-                <a:cs typeface="Proxima Nova"/>
-                <a:sym typeface="Proxima Nova"/>
-              </a:defRPr>
-            </a:lvl8pPr>
-            <a:lvl9pPr marL="4114800" lvl="8" indent="-298450" rtl="0">
-              <a:lnSpc>
-                <a:spcPct val="115000"/>
-              </a:lnSpc>
-              <a:spcBef>
-                <a:spcPts val="0"/>
-              </a:spcBef>
-              <a:spcAft>
-                <a:spcPts val="0"/>
-              </a:spcAft>
-              <a:buClr>
-                <a:srgbClr val="435D74"/>
-              </a:buClr>
-              <a:buSzPts val="1100"/>
-              <a:buFont typeface="Proxima Nova"/>
-              <a:buChar char="■"/>
-              <a:defRPr sz="1100">
-                <a:solidFill>
-                  <a:srgbClr val="435D74"/>
-                </a:solidFill>
-                <a:latin typeface="Proxima Nova"/>
-                <a:ea typeface="Proxima Nova"/>
-                <a:cs typeface="Proxima Nova"/>
-                <a:sym typeface="Proxima Nova"/>
-              </a:defRPr>
-            </a:lvl9pPr>
-          </a:lstStyle>
-          <a:p>
-            <a:endParaRPr/>
-          </a:p>
-        </p:txBody>
-      </p:sp>
-    </p:spTree>
-  </p:cSld>
-  <p:clrMap bg1="lt1" tx1="dk1" bg2="dk2" tx2="lt2" accent1="accent1" accent2="accent2" accent3="accent3" accent4="accent4" accent5="accent5" accent6="accent6" hlink="hlink" folHlink="folHlink"/>
-  <p:sldLayoutIdLst>
-    <p:sldLayoutId id="2147483669" r:id="rId1"/>
   </p:sldLayoutIdLst>
   <p:hf sldNum="0" hdr="0" ftr="0" dt="0"/>
   <p:txStyles>
@@ -19023,102 +17541,6 @@
 </p:sld>
 </file>
 
-<file path=ppt/slides/slide10.xml><?xml version="1.0" encoding="utf-8"?>
-<p:sld xmlns:a="http://schemas.openxmlformats.org/drawingml/2006/main" xmlns:r="http://schemas.openxmlformats.org/officeDocument/2006/relationships" xmlns:p="http://schemas.openxmlformats.org/presentationml/2006/main">
-  <p:cSld>
-    <p:spTree>
-      <p:nvGrpSpPr>
-        <p:cNvPr id="1" name=""/>
-        <p:cNvGrpSpPr/>
-        <p:nvPr/>
-      </p:nvGrpSpPr>
-      <p:grpSpPr>
-        <a:xfrm>
-          <a:off x="0" y="0"/>
-          <a:ext cx="0" cy="0"/>
-          <a:chOff x="0" y="0"/>
-          <a:chExt cx="0" cy="0"/>
-        </a:xfrm>
-      </p:grpSpPr>
-      <p:sp>
-        <p:nvSpPr>
-          <p:cNvPr id="2" name="1 Título"/>
-          <p:cNvSpPr>
-            <a:spLocks noGrp="1"/>
-          </p:cNvSpPr>
-          <p:nvPr>
-            <p:ph type="ctrTitle"/>
-          </p:nvPr>
-        </p:nvSpPr>
-        <p:spPr/>
-        <p:txBody>
-          <a:bodyPr/>
-          <a:lstStyle/>
-          <a:p>
-            <a:endParaRPr lang="en-US"/>
-          </a:p>
-        </p:txBody>
-      </p:sp>
-      <p:sp>
-        <p:nvSpPr>
-          <p:cNvPr id="3" name="2 Subtítulo"/>
-          <p:cNvSpPr>
-            <a:spLocks noGrp="1"/>
-          </p:cNvSpPr>
-          <p:nvPr>
-            <p:ph type="subTitle" idx="1"/>
-          </p:nvPr>
-        </p:nvSpPr>
-        <p:spPr/>
-        <p:txBody>
-          <a:bodyPr/>
-          <a:lstStyle/>
-          <a:p>
-            <a:endParaRPr lang="en-US"/>
-          </a:p>
-        </p:txBody>
-      </p:sp>
-    </p:spTree>
-  </p:cSld>
-  <p:clrMapOvr>
-    <a:masterClrMapping/>
-  </p:clrMapOvr>
-</p:sld>
-</file>
-
-<file path=ppt/slides/slide11.xml><?xml version="1.0" encoding="utf-8"?>
-<p:sld xmlns:a="http://schemas.openxmlformats.org/drawingml/2006/main" xmlns:r="http://schemas.openxmlformats.org/officeDocument/2006/relationships" xmlns:p="http://schemas.openxmlformats.org/presentationml/2006/main">
-  <p:cSld>
-    <p:bg>
-      <p:bgPr>
-        <a:solidFill>
-          <a:srgbClr val="0E2A47"/>
-        </a:solidFill>
-        <a:effectLst/>
-      </p:bgPr>
-    </p:bg>
-    <p:spTree>
-      <p:nvGrpSpPr>
-        <p:cNvPr id="1" name="Shape 13792"/>
-        <p:cNvGrpSpPr/>
-        <p:nvPr/>
-      </p:nvGrpSpPr>
-      <p:grpSpPr>
-        <a:xfrm>
-          <a:off x="0" y="0"/>
-          <a:ext cx="0" cy="0"/>
-          <a:chOff x="0" y="0"/>
-          <a:chExt cx="0" cy="0"/>
-        </a:xfrm>
-      </p:grpSpPr>
-    </p:spTree>
-  </p:cSld>
-  <p:clrMapOvr>
-    <a:masterClrMapping/>
-  </p:clrMapOvr>
-</p:sld>
-</file>
-
 <file path=ppt/slides/slide2.xml><?xml version="1.0" encoding="utf-8"?>
 <p:sld xmlns:a="http://schemas.openxmlformats.org/drawingml/2006/main" xmlns:r="http://schemas.openxmlformats.org/officeDocument/2006/relationships" xmlns:p="http://schemas.openxmlformats.org/presentationml/2006/main">
   <p:cSld>
@@ -32634,7 +31056,7 @@
   <p:cSld>
     <p:spTree>
       <p:nvGrpSpPr>
-        <p:cNvPr id="1" name="Shape 1083"/>
+        <p:cNvPr id="1" name=""/>
         <p:cNvGrpSpPr/>
         <p:nvPr/>
       </p:nvGrpSpPr>
@@ -32646,114 +31068,10 @@
           <a:chExt cx="0" cy="0"/>
         </a:xfrm>
       </p:grpSpPr>
-      <p:cxnSp>
-        <p:nvCxnSpPr>
-          <p:cNvPr id="1084" name="Google Shape;1084;p38"/>
-          <p:cNvCxnSpPr/>
-          <p:nvPr/>
-        </p:nvCxnSpPr>
-        <p:spPr>
-          <a:xfrm>
-            <a:off x="1551088" y="2404550"/>
-            <a:ext cx="0" cy="455100"/>
-          </a:xfrm>
-          <a:prstGeom prst="straightConnector1">
-            <a:avLst/>
-          </a:prstGeom>
-          <a:noFill/>
-          <a:ln w="19050" cap="flat" cmpd="sng">
-            <a:solidFill>
-              <a:schemeClr val="lt2"/>
-            </a:solidFill>
-            <a:prstDash val="solid"/>
-            <a:round/>
-            <a:headEnd type="none" w="med" len="med"/>
-            <a:tailEnd type="none" w="med" len="med"/>
-          </a:ln>
-        </p:spPr>
-      </p:cxnSp>
-      <p:cxnSp>
-        <p:nvCxnSpPr>
-          <p:cNvPr id="1085" name="Google Shape;1085;p38"/>
-          <p:cNvCxnSpPr/>
-          <p:nvPr/>
-        </p:nvCxnSpPr>
-        <p:spPr>
-          <a:xfrm>
-            <a:off x="3587838" y="2976550"/>
-            <a:ext cx="0" cy="455100"/>
-          </a:xfrm>
-          <a:prstGeom prst="straightConnector1">
-            <a:avLst/>
-          </a:prstGeom>
-          <a:noFill/>
-          <a:ln w="19050" cap="flat" cmpd="sng">
-            <a:solidFill>
-              <a:schemeClr val="lt2"/>
-            </a:solidFill>
-            <a:prstDash val="solid"/>
-            <a:round/>
-            <a:headEnd type="none" w="med" len="med"/>
-            <a:tailEnd type="none" w="med" len="med"/>
-          </a:ln>
-        </p:spPr>
-      </p:cxnSp>
-      <p:cxnSp>
-        <p:nvCxnSpPr>
-          <p:cNvPr id="1086" name="Google Shape;1086;p38"/>
-          <p:cNvCxnSpPr/>
-          <p:nvPr/>
-        </p:nvCxnSpPr>
-        <p:spPr>
-          <a:xfrm>
-            <a:off x="5624588" y="2404550"/>
-            <a:ext cx="0" cy="455100"/>
-          </a:xfrm>
-          <a:prstGeom prst="straightConnector1">
-            <a:avLst/>
-          </a:prstGeom>
-          <a:noFill/>
-          <a:ln w="19050" cap="flat" cmpd="sng">
-            <a:solidFill>
-              <a:schemeClr val="lt2"/>
-            </a:solidFill>
-            <a:prstDash val="solid"/>
-            <a:round/>
-            <a:headEnd type="none" w="med" len="med"/>
-            <a:tailEnd type="none" w="med" len="med"/>
-          </a:ln>
-        </p:spPr>
-      </p:cxnSp>
-      <p:cxnSp>
-        <p:nvCxnSpPr>
-          <p:cNvPr id="1087" name="Google Shape;1087;p38"/>
-          <p:cNvCxnSpPr/>
-          <p:nvPr/>
-        </p:nvCxnSpPr>
-        <p:spPr>
-          <a:xfrm>
-            <a:off x="7661338" y="2976550"/>
-            <a:ext cx="0" cy="455100"/>
-          </a:xfrm>
-          <a:prstGeom prst="straightConnector1">
-            <a:avLst/>
-          </a:prstGeom>
-          <a:noFill/>
-          <a:ln w="19050" cap="flat" cmpd="sng">
-            <a:solidFill>
-              <a:schemeClr val="lt2"/>
-            </a:solidFill>
-            <a:prstDash val="solid"/>
-            <a:round/>
-            <a:headEnd type="none" w="med" len="med"/>
-            <a:tailEnd type="none" w="med" len="med"/>
-          </a:ln>
-        </p:spPr>
-      </p:cxnSp>
       <p:sp>
         <p:nvSpPr>
-          <p:cNvPr id="1088" name="Google Shape;1088;p38"/>
-          <p:cNvSpPr txBox="1">
+          <p:cNvPr id="2" name="1 Título"/>
+          <p:cNvSpPr>
             <a:spLocks noGrp="1"/>
           </p:cNvSpPr>
           <p:nvPr>
@@ -32762,998 +31080,52 @@
         </p:nvSpPr>
         <p:spPr>
           <a:xfrm>
-            <a:off x="618825" y="411675"/>
-            <a:ext cx="4727700" cy="577800"/>
+            <a:off x="1561650" y="514350"/>
+            <a:ext cx="6020700" cy="1451938"/>
+          </a:xfrm>
+        </p:spPr>
+        <p:txBody>
+          <a:bodyPr/>
+          <a:lstStyle/>
+          <a:p>
+            <a:r>
+              <a:rPr lang="es-AR" dirty="0" smtClean="0"/>
+              <a:t>DATA ARCHITECTURE</a:t>
+            </a:r>
+            <a:endParaRPr lang="en-US" dirty="0"/>
+          </a:p>
+        </p:txBody>
+      </p:sp>
+      <p:pic>
+        <p:nvPicPr>
+          <p:cNvPr id="4" name="Imagen 3"/>
+          <p:cNvPicPr>
+            <a:picLocks noChangeAspect="1"/>
+          </p:cNvPicPr>
+          <p:nvPr/>
+        </p:nvPicPr>
+        <p:blipFill>
+          <a:blip r:embed="rId2">
+            <a:extLst>
+              <a:ext uri="{28A0092B-C50C-407E-A947-70E740481C1C}">
+                <a14:useLocalDpi xmlns:a14="http://schemas.microsoft.com/office/drawing/2010/main" val="0"/>
+              </a:ext>
+            </a:extLst>
+          </a:blip>
+          <a:stretch>
+            <a:fillRect/>
+          </a:stretch>
+        </p:blipFill>
+        <p:spPr>
+          <a:xfrm>
+            <a:off x="543172" y="2190750"/>
+            <a:ext cx="8057655" cy="2289931"/>
           </a:xfrm>
           <a:prstGeom prst="rect">
             <a:avLst/>
           </a:prstGeom>
         </p:spPr>
-        <p:txBody>
-          <a:bodyPr spcFirstLastPara="1" wrap="square" lIns="91425" tIns="91425" rIns="91425" bIns="91425" anchor="b" anchorCtr="0">
-            <a:noAutofit/>
-          </a:bodyPr>
-          <a:lstStyle/>
-          <a:p>
-            <a:pPr marL="0" lvl="0" indent="0" algn="l" rtl="0">
-              <a:spcBef>
-                <a:spcPts val="0"/>
-              </a:spcBef>
-              <a:spcAft>
-                <a:spcPts val="0"/>
-              </a:spcAft>
-              <a:buNone/>
-            </a:pPr>
-            <a:r>
-              <a:rPr lang="en"/>
-              <a:t>OUR PROCESS</a:t>
-            </a:r>
-            <a:endParaRPr/>
-          </a:p>
-        </p:txBody>
-      </p:sp>
-      <p:cxnSp>
-        <p:nvCxnSpPr>
-          <p:cNvPr id="1089" name="Google Shape;1089;p38"/>
-          <p:cNvCxnSpPr/>
-          <p:nvPr/>
-        </p:nvCxnSpPr>
-        <p:spPr>
-          <a:xfrm>
-            <a:off x="1034400" y="2918100"/>
-            <a:ext cx="7075200" cy="0"/>
-          </a:xfrm>
-          <a:prstGeom prst="straightConnector1">
-            <a:avLst/>
-          </a:prstGeom>
-          <a:noFill/>
-          <a:ln w="19050" cap="flat" cmpd="sng">
-            <a:solidFill>
-              <a:schemeClr val="lt2"/>
-            </a:solidFill>
-            <a:prstDash val="solid"/>
-            <a:round/>
-            <a:headEnd type="none" w="med" len="med"/>
-            <a:tailEnd type="none" w="med" len="med"/>
-          </a:ln>
-        </p:spPr>
-      </p:cxnSp>
-      <p:grpSp>
-        <p:nvGrpSpPr>
-          <p:cNvPr id="1090" name="Google Shape;1090;p38"/>
-          <p:cNvGrpSpPr/>
-          <p:nvPr/>
-        </p:nvGrpSpPr>
-        <p:grpSpPr>
-          <a:xfrm>
-            <a:off x="1372725" y="2731350"/>
-            <a:ext cx="373500" cy="373500"/>
-            <a:chOff x="1372725" y="1912500"/>
-            <a:chExt cx="373500" cy="373500"/>
-          </a:xfrm>
-        </p:grpSpPr>
-        <p:sp>
-          <p:nvSpPr>
-            <p:cNvPr id="1091" name="Google Shape;1091;p38"/>
-            <p:cNvSpPr/>
-            <p:nvPr/>
-          </p:nvSpPr>
-          <p:spPr>
-            <a:xfrm>
-              <a:off x="1464063" y="2003850"/>
-              <a:ext cx="190800" cy="190800"/>
-            </a:xfrm>
-            <a:prstGeom prst="ellipse">
-              <a:avLst/>
-            </a:prstGeom>
-            <a:solidFill>
-              <a:schemeClr val="lt2"/>
-            </a:solidFill>
-            <a:ln>
-              <a:noFill/>
-            </a:ln>
-          </p:spPr>
-          <p:txBody>
-            <a:bodyPr spcFirstLastPara="1" wrap="square" lIns="91425" tIns="91425" rIns="91425" bIns="91425" anchor="ctr" anchorCtr="0">
-              <a:noAutofit/>
-            </a:bodyPr>
-            <a:lstStyle/>
-            <a:p>
-              <a:pPr marL="0" lvl="0" indent="0" algn="l" rtl="0">
-                <a:spcBef>
-                  <a:spcPts val="0"/>
-                </a:spcBef>
-                <a:spcAft>
-                  <a:spcPts val="0"/>
-                </a:spcAft>
-                <a:buNone/>
-              </a:pPr>
-              <a:endParaRPr/>
-            </a:p>
-          </p:txBody>
-        </p:sp>
-        <p:sp>
-          <p:nvSpPr>
-            <p:cNvPr id="1092" name="Google Shape;1092;p38"/>
-            <p:cNvSpPr/>
-            <p:nvPr/>
-          </p:nvSpPr>
-          <p:spPr>
-            <a:xfrm>
-              <a:off x="1372725" y="1912500"/>
-              <a:ext cx="373500" cy="373500"/>
-            </a:xfrm>
-            <a:prstGeom prst="donut">
-              <a:avLst>
-                <a:gd name="adj" fmla="val 10193"/>
-              </a:avLst>
-            </a:prstGeom>
-            <a:solidFill>
-              <a:schemeClr val="accent2"/>
-            </a:solidFill>
-            <a:ln>
-              <a:noFill/>
-            </a:ln>
-          </p:spPr>
-          <p:txBody>
-            <a:bodyPr spcFirstLastPara="1" wrap="square" lIns="91425" tIns="91425" rIns="91425" bIns="91425" anchor="ctr" anchorCtr="0">
-              <a:noAutofit/>
-            </a:bodyPr>
-            <a:lstStyle/>
-            <a:p>
-              <a:pPr marL="0" lvl="0" indent="0" algn="l" rtl="0">
-                <a:spcBef>
-                  <a:spcPts val="0"/>
-                </a:spcBef>
-                <a:spcAft>
-                  <a:spcPts val="0"/>
-                </a:spcAft>
-                <a:buNone/>
-              </a:pPr>
-              <a:endParaRPr/>
-            </a:p>
-          </p:txBody>
-        </p:sp>
-      </p:grpSp>
-      <p:grpSp>
-        <p:nvGrpSpPr>
-          <p:cNvPr id="1093" name="Google Shape;1093;p38"/>
-          <p:cNvGrpSpPr/>
-          <p:nvPr/>
-        </p:nvGrpSpPr>
-        <p:grpSpPr>
-          <a:xfrm>
-            <a:off x="3401092" y="2731350"/>
-            <a:ext cx="373500" cy="373500"/>
-            <a:chOff x="3212675" y="1912500"/>
-            <a:chExt cx="373500" cy="373500"/>
-          </a:xfrm>
-        </p:grpSpPr>
-        <p:sp>
-          <p:nvSpPr>
-            <p:cNvPr id="1094" name="Google Shape;1094;p38"/>
-            <p:cNvSpPr/>
-            <p:nvPr/>
-          </p:nvSpPr>
-          <p:spPr>
-            <a:xfrm>
-              <a:off x="3304013" y="2003850"/>
-              <a:ext cx="190800" cy="190800"/>
-            </a:xfrm>
-            <a:prstGeom prst="ellipse">
-              <a:avLst/>
-            </a:prstGeom>
-            <a:solidFill>
-              <a:schemeClr val="lt2"/>
-            </a:solidFill>
-            <a:ln>
-              <a:noFill/>
-            </a:ln>
-          </p:spPr>
-          <p:txBody>
-            <a:bodyPr spcFirstLastPara="1" wrap="square" lIns="91425" tIns="91425" rIns="91425" bIns="91425" anchor="ctr" anchorCtr="0">
-              <a:noAutofit/>
-            </a:bodyPr>
-            <a:lstStyle/>
-            <a:p>
-              <a:pPr marL="0" lvl="0" indent="0" algn="l" rtl="0">
-                <a:spcBef>
-                  <a:spcPts val="0"/>
-                </a:spcBef>
-                <a:spcAft>
-                  <a:spcPts val="0"/>
-                </a:spcAft>
-                <a:buNone/>
-              </a:pPr>
-              <a:endParaRPr/>
-            </a:p>
-          </p:txBody>
-        </p:sp>
-        <p:sp>
-          <p:nvSpPr>
-            <p:cNvPr id="1095" name="Google Shape;1095;p38"/>
-            <p:cNvSpPr/>
-            <p:nvPr/>
-          </p:nvSpPr>
-          <p:spPr>
-            <a:xfrm>
-              <a:off x="3212675" y="1912500"/>
-              <a:ext cx="373500" cy="373500"/>
-            </a:xfrm>
-            <a:prstGeom prst="donut">
-              <a:avLst>
-                <a:gd name="adj" fmla="val 10193"/>
-              </a:avLst>
-            </a:prstGeom>
-            <a:solidFill>
-              <a:schemeClr val="accent1"/>
-            </a:solidFill>
-            <a:ln>
-              <a:noFill/>
-            </a:ln>
-          </p:spPr>
-          <p:txBody>
-            <a:bodyPr spcFirstLastPara="1" wrap="square" lIns="91425" tIns="91425" rIns="91425" bIns="91425" anchor="ctr" anchorCtr="0">
-              <a:noAutofit/>
-            </a:bodyPr>
-            <a:lstStyle/>
-            <a:p>
-              <a:pPr marL="0" lvl="0" indent="0" algn="l" rtl="0">
-                <a:spcBef>
-                  <a:spcPts val="0"/>
-                </a:spcBef>
-                <a:spcAft>
-                  <a:spcPts val="0"/>
-                </a:spcAft>
-                <a:buNone/>
-              </a:pPr>
-              <a:endParaRPr/>
-            </a:p>
-          </p:txBody>
-        </p:sp>
-      </p:grpSp>
-      <p:grpSp>
-        <p:nvGrpSpPr>
-          <p:cNvPr id="1096" name="Google Shape;1096;p38"/>
-          <p:cNvGrpSpPr/>
-          <p:nvPr/>
-        </p:nvGrpSpPr>
-        <p:grpSpPr>
-          <a:xfrm>
-            <a:off x="5429458" y="2731350"/>
-            <a:ext cx="373500" cy="373500"/>
-            <a:chOff x="5557850" y="1912500"/>
-            <a:chExt cx="373500" cy="373500"/>
-          </a:xfrm>
-        </p:grpSpPr>
-        <p:sp>
-          <p:nvSpPr>
-            <p:cNvPr id="1097" name="Google Shape;1097;p38"/>
-            <p:cNvSpPr/>
-            <p:nvPr/>
-          </p:nvSpPr>
-          <p:spPr>
-            <a:xfrm>
-              <a:off x="5649188" y="2003850"/>
-              <a:ext cx="190800" cy="190800"/>
-            </a:xfrm>
-            <a:prstGeom prst="ellipse">
-              <a:avLst/>
-            </a:prstGeom>
-            <a:solidFill>
-              <a:schemeClr val="lt2"/>
-            </a:solidFill>
-            <a:ln>
-              <a:noFill/>
-            </a:ln>
-          </p:spPr>
-          <p:txBody>
-            <a:bodyPr spcFirstLastPara="1" wrap="square" lIns="91425" tIns="91425" rIns="91425" bIns="91425" anchor="ctr" anchorCtr="0">
-              <a:noAutofit/>
-            </a:bodyPr>
-            <a:lstStyle/>
-            <a:p>
-              <a:pPr marL="0" lvl="0" indent="0" algn="l" rtl="0">
-                <a:spcBef>
-                  <a:spcPts val="0"/>
-                </a:spcBef>
-                <a:spcAft>
-                  <a:spcPts val="0"/>
-                </a:spcAft>
-                <a:buNone/>
-              </a:pPr>
-              <a:endParaRPr/>
-            </a:p>
-          </p:txBody>
-        </p:sp>
-        <p:sp>
-          <p:nvSpPr>
-            <p:cNvPr id="1098" name="Google Shape;1098;p38"/>
-            <p:cNvSpPr/>
-            <p:nvPr/>
-          </p:nvSpPr>
-          <p:spPr>
-            <a:xfrm>
-              <a:off x="5557850" y="1912500"/>
-              <a:ext cx="373500" cy="373500"/>
-            </a:xfrm>
-            <a:prstGeom prst="donut">
-              <a:avLst>
-                <a:gd name="adj" fmla="val 10193"/>
-              </a:avLst>
-            </a:prstGeom>
-            <a:solidFill>
-              <a:schemeClr val="accent3"/>
-            </a:solidFill>
-            <a:ln>
-              <a:noFill/>
-            </a:ln>
-          </p:spPr>
-          <p:txBody>
-            <a:bodyPr spcFirstLastPara="1" wrap="square" lIns="91425" tIns="91425" rIns="91425" bIns="91425" anchor="ctr" anchorCtr="0">
-              <a:noAutofit/>
-            </a:bodyPr>
-            <a:lstStyle/>
-            <a:p>
-              <a:pPr marL="0" lvl="0" indent="0" algn="l" rtl="0">
-                <a:spcBef>
-                  <a:spcPts val="0"/>
-                </a:spcBef>
-                <a:spcAft>
-                  <a:spcPts val="0"/>
-                </a:spcAft>
-                <a:buNone/>
-              </a:pPr>
-              <a:endParaRPr/>
-            </a:p>
-          </p:txBody>
-        </p:sp>
-      </p:grpSp>
-      <p:grpSp>
-        <p:nvGrpSpPr>
-          <p:cNvPr id="1099" name="Google Shape;1099;p38"/>
-          <p:cNvGrpSpPr/>
-          <p:nvPr/>
-        </p:nvGrpSpPr>
-        <p:grpSpPr>
-          <a:xfrm>
-            <a:off x="7457825" y="2731350"/>
-            <a:ext cx="373500" cy="373500"/>
-            <a:chOff x="7457825" y="1912500"/>
-            <a:chExt cx="373500" cy="373500"/>
-          </a:xfrm>
-        </p:grpSpPr>
-        <p:sp>
-          <p:nvSpPr>
-            <p:cNvPr id="1100" name="Google Shape;1100;p38"/>
-            <p:cNvSpPr/>
-            <p:nvPr/>
-          </p:nvSpPr>
-          <p:spPr>
-            <a:xfrm>
-              <a:off x="7549163" y="2003850"/>
-              <a:ext cx="190800" cy="190800"/>
-            </a:xfrm>
-            <a:prstGeom prst="ellipse">
-              <a:avLst/>
-            </a:prstGeom>
-            <a:solidFill>
-              <a:schemeClr val="lt2"/>
-            </a:solidFill>
-            <a:ln>
-              <a:noFill/>
-            </a:ln>
-          </p:spPr>
-          <p:txBody>
-            <a:bodyPr spcFirstLastPara="1" wrap="square" lIns="91425" tIns="91425" rIns="91425" bIns="91425" anchor="ctr" anchorCtr="0">
-              <a:noAutofit/>
-            </a:bodyPr>
-            <a:lstStyle/>
-            <a:p>
-              <a:pPr marL="0" lvl="0" indent="0" algn="l" rtl="0">
-                <a:spcBef>
-                  <a:spcPts val="0"/>
-                </a:spcBef>
-                <a:spcAft>
-                  <a:spcPts val="0"/>
-                </a:spcAft>
-                <a:buNone/>
-              </a:pPr>
-              <a:endParaRPr/>
-            </a:p>
-          </p:txBody>
-        </p:sp>
-        <p:sp>
-          <p:nvSpPr>
-            <p:cNvPr id="1101" name="Google Shape;1101;p38"/>
-            <p:cNvSpPr/>
-            <p:nvPr/>
-          </p:nvSpPr>
-          <p:spPr>
-            <a:xfrm>
-              <a:off x="7457825" y="1912500"/>
-              <a:ext cx="373500" cy="373500"/>
-            </a:xfrm>
-            <a:prstGeom prst="donut">
-              <a:avLst>
-                <a:gd name="adj" fmla="val 10193"/>
-              </a:avLst>
-            </a:prstGeom>
-            <a:solidFill>
-              <a:schemeClr val="accent4"/>
-            </a:solidFill>
-            <a:ln>
-              <a:noFill/>
-            </a:ln>
-          </p:spPr>
-          <p:txBody>
-            <a:bodyPr spcFirstLastPara="1" wrap="square" lIns="91425" tIns="91425" rIns="91425" bIns="91425" anchor="ctr" anchorCtr="0">
-              <a:noAutofit/>
-            </a:bodyPr>
-            <a:lstStyle/>
-            <a:p>
-              <a:pPr marL="0" lvl="0" indent="0" algn="l" rtl="0">
-                <a:spcBef>
-                  <a:spcPts val="0"/>
-                </a:spcBef>
-                <a:spcAft>
-                  <a:spcPts val="0"/>
-                </a:spcAft>
-                <a:buNone/>
-              </a:pPr>
-              <a:endParaRPr/>
-            </a:p>
-          </p:txBody>
-        </p:sp>
-      </p:grpSp>
-      <p:sp>
-        <p:nvSpPr>
-          <p:cNvPr id="1102" name="Google Shape;1102;p38"/>
-          <p:cNvSpPr txBox="1">
-            <a:spLocks noGrp="1"/>
-          </p:cNvSpPr>
-          <p:nvPr>
-            <p:ph type="ctrTitle" idx="4294967295"/>
-          </p:nvPr>
-        </p:nvSpPr>
-        <p:spPr>
-          <a:xfrm>
-            <a:off x="610450" y="1977263"/>
-            <a:ext cx="1881300" cy="427800"/>
-          </a:xfrm>
-          <a:prstGeom prst="rect">
-            <a:avLst/>
-          </a:prstGeom>
-        </p:spPr>
-        <p:txBody>
-          <a:bodyPr spcFirstLastPara="1" wrap="square" lIns="91425" tIns="91425" rIns="91425" bIns="91425" anchor="t" anchorCtr="0">
-            <a:noAutofit/>
-          </a:bodyPr>
-          <a:lstStyle/>
-          <a:p>
-            <a:pPr marL="0" lvl="0" indent="0" algn="ctr" rtl="0">
-              <a:spcBef>
-                <a:spcPts val="0"/>
-              </a:spcBef>
-              <a:spcAft>
-                <a:spcPts val="0"/>
-              </a:spcAft>
-              <a:buNone/>
-            </a:pPr>
-            <a:r>
-              <a:rPr lang="en" sz="1800"/>
-              <a:t>MARS</a:t>
-            </a:r>
-            <a:endParaRPr sz="1800"/>
-          </a:p>
-        </p:txBody>
-      </p:sp>
-      <p:sp>
-        <p:nvSpPr>
-          <p:cNvPr id="1103" name="Google Shape;1103;p38"/>
-          <p:cNvSpPr txBox="1">
-            <a:spLocks noGrp="1"/>
-          </p:cNvSpPr>
-          <p:nvPr>
-            <p:ph type="subTitle" idx="4294967295"/>
-          </p:nvPr>
-        </p:nvSpPr>
-        <p:spPr>
-          <a:xfrm>
-            <a:off x="610438" y="1489956"/>
-            <a:ext cx="1881300" cy="644700"/>
-          </a:xfrm>
-          <a:prstGeom prst="rect">
-            <a:avLst/>
-          </a:prstGeom>
-        </p:spPr>
-        <p:txBody>
-          <a:bodyPr spcFirstLastPara="1" wrap="square" lIns="91425" tIns="91425" rIns="91425" bIns="91425" anchor="b" anchorCtr="0">
-            <a:noAutofit/>
-          </a:bodyPr>
-          <a:lstStyle/>
-          <a:p>
-            <a:pPr marL="0" lvl="0" indent="0" algn="ctr" rtl="0">
-              <a:lnSpc>
-                <a:spcPct val="100000"/>
-              </a:lnSpc>
-              <a:spcBef>
-                <a:spcPts val="0"/>
-              </a:spcBef>
-              <a:spcAft>
-                <a:spcPts val="0"/>
-              </a:spcAft>
-              <a:buNone/>
-            </a:pPr>
-            <a:r>
-              <a:rPr lang="en" sz="1400"/>
-              <a:t>Despite being red, Mars is a cold place</a:t>
-            </a:r>
-            <a:endParaRPr sz="1400"/>
-          </a:p>
-        </p:txBody>
-      </p:sp>
-      <p:sp>
-        <p:nvSpPr>
-          <p:cNvPr id="1104" name="Google Shape;1104;p38"/>
-          <p:cNvSpPr txBox="1">
-            <a:spLocks noGrp="1"/>
-          </p:cNvSpPr>
-          <p:nvPr>
-            <p:ph type="ctrTitle" idx="4294967295"/>
-          </p:nvPr>
-        </p:nvSpPr>
-        <p:spPr>
-          <a:xfrm>
-            <a:off x="6720390" y="3438422"/>
-            <a:ext cx="1881300" cy="427800"/>
-          </a:xfrm>
-          <a:prstGeom prst="rect">
-            <a:avLst/>
-          </a:prstGeom>
-        </p:spPr>
-        <p:txBody>
-          <a:bodyPr spcFirstLastPara="1" wrap="square" lIns="91425" tIns="91425" rIns="91425" bIns="91425" anchor="b" anchorCtr="0">
-            <a:noAutofit/>
-          </a:bodyPr>
-          <a:lstStyle/>
-          <a:p>
-            <a:pPr marL="0" lvl="0" indent="0" algn="ctr" rtl="0">
-              <a:spcBef>
-                <a:spcPts val="0"/>
-              </a:spcBef>
-              <a:spcAft>
-                <a:spcPts val="0"/>
-              </a:spcAft>
-              <a:buNone/>
-            </a:pPr>
-            <a:r>
-              <a:rPr lang="en" sz="1800"/>
-              <a:t>NEPTUNE</a:t>
-            </a:r>
-            <a:endParaRPr sz="1800"/>
-          </a:p>
-        </p:txBody>
-      </p:sp>
-      <p:sp>
-        <p:nvSpPr>
-          <p:cNvPr id="1105" name="Google Shape;1105;p38"/>
-          <p:cNvSpPr txBox="1">
-            <a:spLocks noGrp="1"/>
-          </p:cNvSpPr>
-          <p:nvPr>
-            <p:ph type="subTitle" idx="4294967295"/>
-          </p:nvPr>
-        </p:nvSpPr>
-        <p:spPr>
-          <a:xfrm>
-            <a:off x="6720378" y="3660586"/>
-            <a:ext cx="1881300" cy="644700"/>
-          </a:xfrm>
-          <a:prstGeom prst="rect">
-            <a:avLst/>
-          </a:prstGeom>
-        </p:spPr>
-        <p:txBody>
-          <a:bodyPr spcFirstLastPara="1" wrap="square" lIns="91425" tIns="91425" rIns="91425" bIns="91425" anchor="t" anchorCtr="0">
-            <a:noAutofit/>
-          </a:bodyPr>
-          <a:lstStyle/>
-          <a:p>
-            <a:pPr marL="0" lvl="0" indent="0" algn="ctr" rtl="0">
-              <a:lnSpc>
-                <a:spcPct val="100000"/>
-              </a:lnSpc>
-              <a:spcBef>
-                <a:spcPts val="0"/>
-              </a:spcBef>
-              <a:spcAft>
-                <a:spcPts val="1600"/>
-              </a:spcAft>
-              <a:buNone/>
-            </a:pPr>
-            <a:r>
-              <a:rPr lang="en" sz="1400"/>
-              <a:t>It’s the farthest planet from the Sun</a:t>
-            </a:r>
-            <a:endParaRPr sz="1400"/>
-          </a:p>
-        </p:txBody>
-      </p:sp>
-      <p:sp>
-        <p:nvSpPr>
-          <p:cNvPr id="1106" name="Google Shape;1106;p38"/>
-          <p:cNvSpPr txBox="1">
-            <a:spLocks noGrp="1"/>
-          </p:cNvSpPr>
-          <p:nvPr>
-            <p:ph type="ctrTitle" idx="4294967295"/>
-          </p:nvPr>
-        </p:nvSpPr>
-        <p:spPr>
-          <a:xfrm>
-            <a:off x="2647200" y="3438422"/>
-            <a:ext cx="1881300" cy="427800"/>
-          </a:xfrm>
-          <a:prstGeom prst="rect">
-            <a:avLst/>
-          </a:prstGeom>
-        </p:spPr>
-        <p:txBody>
-          <a:bodyPr spcFirstLastPara="1" wrap="square" lIns="91425" tIns="91425" rIns="91425" bIns="91425" anchor="b" anchorCtr="0">
-            <a:noAutofit/>
-          </a:bodyPr>
-          <a:lstStyle/>
-          <a:p>
-            <a:pPr marL="0" lvl="0" indent="0" algn="ctr" rtl="0">
-              <a:spcBef>
-                <a:spcPts val="0"/>
-              </a:spcBef>
-              <a:spcAft>
-                <a:spcPts val="0"/>
-              </a:spcAft>
-              <a:buNone/>
-            </a:pPr>
-            <a:r>
-              <a:rPr lang="en" sz="1800"/>
-              <a:t>JUPITER</a:t>
-            </a:r>
-            <a:endParaRPr sz="1800"/>
-          </a:p>
-        </p:txBody>
-      </p:sp>
-      <p:sp>
-        <p:nvSpPr>
-          <p:cNvPr id="1107" name="Google Shape;1107;p38"/>
-          <p:cNvSpPr txBox="1">
-            <a:spLocks noGrp="1"/>
-          </p:cNvSpPr>
-          <p:nvPr>
-            <p:ph type="subTitle" idx="4294967295"/>
-          </p:nvPr>
-        </p:nvSpPr>
-        <p:spPr>
-          <a:xfrm>
-            <a:off x="2532864" y="3660598"/>
-            <a:ext cx="2109900" cy="644700"/>
-          </a:xfrm>
-          <a:prstGeom prst="rect">
-            <a:avLst/>
-          </a:prstGeom>
-        </p:spPr>
-        <p:txBody>
-          <a:bodyPr spcFirstLastPara="1" wrap="square" lIns="91425" tIns="91425" rIns="91425" bIns="91425" anchor="t" anchorCtr="0">
-            <a:noAutofit/>
-          </a:bodyPr>
-          <a:lstStyle/>
-          <a:p>
-            <a:pPr marL="0" lvl="0" indent="0" algn="ctr" rtl="0">
-              <a:lnSpc>
-                <a:spcPct val="100000"/>
-              </a:lnSpc>
-              <a:spcBef>
-                <a:spcPts val="0"/>
-              </a:spcBef>
-              <a:spcAft>
-                <a:spcPts val="1600"/>
-              </a:spcAft>
-              <a:buNone/>
-            </a:pPr>
-            <a:r>
-              <a:rPr lang="en" sz="1400"/>
-              <a:t>It’s the biggest planet in the Solar System</a:t>
-            </a:r>
-            <a:endParaRPr sz="1400"/>
-          </a:p>
-        </p:txBody>
-      </p:sp>
-      <p:sp>
-        <p:nvSpPr>
-          <p:cNvPr id="1108" name="Google Shape;1108;p38"/>
-          <p:cNvSpPr txBox="1">
-            <a:spLocks noGrp="1"/>
-          </p:cNvSpPr>
-          <p:nvPr>
-            <p:ph type="ctrTitle" idx="4294967295"/>
-          </p:nvPr>
-        </p:nvSpPr>
-        <p:spPr>
-          <a:xfrm>
-            <a:off x="4683963" y="1977263"/>
-            <a:ext cx="1881300" cy="427800"/>
-          </a:xfrm>
-          <a:prstGeom prst="rect">
-            <a:avLst/>
-          </a:prstGeom>
-        </p:spPr>
-        <p:txBody>
-          <a:bodyPr spcFirstLastPara="1" wrap="square" lIns="91425" tIns="91425" rIns="91425" bIns="91425" anchor="t" anchorCtr="0">
-            <a:noAutofit/>
-          </a:bodyPr>
-          <a:lstStyle/>
-          <a:p>
-            <a:pPr marL="0" lvl="0" indent="0" algn="ctr" rtl="0">
-              <a:spcBef>
-                <a:spcPts val="0"/>
-              </a:spcBef>
-              <a:spcAft>
-                <a:spcPts val="0"/>
-              </a:spcAft>
-              <a:buNone/>
-            </a:pPr>
-            <a:r>
-              <a:rPr lang="en" sz="1800"/>
-              <a:t>SATURN</a:t>
-            </a:r>
-            <a:endParaRPr sz="1800"/>
-          </a:p>
-        </p:txBody>
-      </p:sp>
-      <p:sp>
-        <p:nvSpPr>
-          <p:cNvPr id="1109" name="Google Shape;1109;p38"/>
-          <p:cNvSpPr txBox="1">
-            <a:spLocks noGrp="1"/>
-          </p:cNvSpPr>
-          <p:nvPr>
-            <p:ph type="subTitle" idx="4294967295"/>
-          </p:nvPr>
-        </p:nvSpPr>
-        <p:spPr>
-          <a:xfrm>
-            <a:off x="4569650" y="1489967"/>
-            <a:ext cx="2109900" cy="644700"/>
-          </a:xfrm>
-          <a:prstGeom prst="rect">
-            <a:avLst/>
-          </a:prstGeom>
-        </p:spPr>
-        <p:txBody>
-          <a:bodyPr spcFirstLastPara="1" wrap="square" lIns="91425" tIns="91425" rIns="91425" bIns="91425" anchor="b" anchorCtr="0">
-            <a:noAutofit/>
-          </a:bodyPr>
-          <a:lstStyle/>
-          <a:p>
-            <a:pPr marL="0" lvl="0" indent="0" algn="ctr" rtl="0">
-              <a:lnSpc>
-                <a:spcPct val="100000"/>
-              </a:lnSpc>
-              <a:spcBef>
-                <a:spcPts val="0"/>
-              </a:spcBef>
-              <a:spcAft>
-                <a:spcPts val="0"/>
-              </a:spcAft>
-              <a:buNone/>
-            </a:pPr>
-            <a:r>
-              <a:rPr lang="en" sz="1400"/>
-              <a:t>Saturn is composed of hydrogen and helium</a:t>
-            </a:r>
-            <a:endParaRPr sz="1400"/>
-          </a:p>
-        </p:txBody>
-      </p:sp>
-      <p:sp>
-        <p:nvSpPr>
-          <p:cNvPr id="1110" name="Google Shape;1110;p38"/>
-          <p:cNvSpPr txBox="1">
-            <a:spLocks noGrp="1"/>
-          </p:cNvSpPr>
-          <p:nvPr>
-            <p:ph type="ctrTitle" idx="4294967295"/>
-          </p:nvPr>
-        </p:nvSpPr>
-        <p:spPr>
-          <a:xfrm>
-            <a:off x="907900" y="3282474"/>
-            <a:ext cx="1286400" cy="427800"/>
-          </a:xfrm>
-          <a:prstGeom prst="rect">
-            <a:avLst/>
-          </a:prstGeom>
-        </p:spPr>
-        <p:txBody>
-          <a:bodyPr spcFirstLastPara="1" wrap="square" lIns="91425" tIns="91425" rIns="91425" bIns="91425" anchor="ctr" anchorCtr="0">
-            <a:noAutofit/>
-          </a:bodyPr>
-          <a:lstStyle/>
-          <a:p>
-            <a:pPr marL="0" lvl="0" indent="0" algn="ctr" rtl="0">
-              <a:spcBef>
-                <a:spcPts val="0"/>
-              </a:spcBef>
-              <a:spcAft>
-                <a:spcPts val="0"/>
-              </a:spcAft>
-              <a:buNone/>
-            </a:pPr>
-            <a:r>
-              <a:rPr lang="en" sz="2400">
-                <a:solidFill>
-                  <a:schemeClr val="accent2"/>
-                </a:solidFill>
-              </a:rPr>
-              <a:t>DAY 01</a:t>
-            </a:r>
-            <a:endParaRPr sz="2400">
-              <a:solidFill>
-                <a:schemeClr val="accent2"/>
-              </a:solidFill>
-            </a:endParaRPr>
-          </a:p>
-        </p:txBody>
-      </p:sp>
-      <p:sp>
-        <p:nvSpPr>
-          <p:cNvPr id="1111" name="Google Shape;1111;p38"/>
-          <p:cNvSpPr txBox="1">
-            <a:spLocks noGrp="1"/>
-          </p:cNvSpPr>
-          <p:nvPr>
-            <p:ph type="ctrTitle" idx="4294967295"/>
-          </p:nvPr>
-        </p:nvSpPr>
-        <p:spPr>
-          <a:xfrm>
-            <a:off x="2944650" y="2113408"/>
-            <a:ext cx="1286400" cy="427800"/>
-          </a:xfrm>
-          <a:prstGeom prst="rect">
-            <a:avLst/>
-          </a:prstGeom>
-        </p:spPr>
-        <p:txBody>
-          <a:bodyPr spcFirstLastPara="1" wrap="square" lIns="91425" tIns="91425" rIns="91425" bIns="91425" anchor="ctr" anchorCtr="0">
-            <a:noAutofit/>
-          </a:bodyPr>
-          <a:lstStyle/>
-          <a:p>
-            <a:pPr marL="0" lvl="0" indent="0" algn="ctr" rtl="0">
-              <a:spcBef>
-                <a:spcPts val="0"/>
-              </a:spcBef>
-              <a:spcAft>
-                <a:spcPts val="0"/>
-              </a:spcAft>
-              <a:buNone/>
-            </a:pPr>
-            <a:r>
-              <a:rPr lang="en" sz="2400">
-                <a:solidFill>
-                  <a:schemeClr val="accent1"/>
-                </a:solidFill>
-              </a:rPr>
-              <a:t>DAY 02</a:t>
-            </a:r>
-            <a:endParaRPr sz="2400">
-              <a:solidFill>
-                <a:schemeClr val="accent1"/>
-              </a:solidFill>
-            </a:endParaRPr>
-          </a:p>
-        </p:txBody>
-      </p:sp>
-      <p:sp>
-        <p:nvSpPr>
-          <p:cNvPr id="1112" name="Google Shape;1112;p38"/>
-          <p:cNvSpPr txBox="1">
-            <a:spLocks noGrp="1"/>
-          </p:cNvSpPr>
-          <p:nvPr>
-            <p:ph type="ctrTitle" idx="4294967295"/>
-          </p:nvPr>
-        </p:nvSpPr>
-        <p:spPr>
-          <a:xfrm>
-            <a:off x="4981400" y="3282474"/>
-            <a:ext cx="1286400" cy="427800"/>
-          </a:xfrm>
-          <a:prstGeom prst="rect">
-            <a:avLst/>
-          </a:prstGeom>
-        </p:spPr>
-        <p:txBody>
-          <a:bodyPr spcFirstLastPara="1" wrap="square" lIns="91425" tIns="91425" rIns="91425" bIns="91425" anchor="ctr" anchorCtr="0">
-            <a:noAutofit/>
-          </a:bodyPr>
-          <a:lstStyle/>
-          <a:p>
-            <a:pPr marL="0" lvl="0" indent="0" algn="ctr" rtl="0">
-              <a:spcBef>
-                <a:spcPts val="0"/>
-              </a:spcBef>
-              <a:spcAft>
-                <a:spcPts val="0"/>
-              </a:spcAft>
-              <a:buNone/>
-            </a:pPr>
-            <a:r>
-              <a:rPr lang="en" sz="2400">
-                <a:solidFill>
-                  <a:schemeClr val="accent3"/>
-                </a:solidFill>
-              </a:rPr>
-              <a:t>DAY 03</a:t>
-            </a:r>
-            <a:endParaRPr sz="2400">
-              <a:solidFill>
-                <a:schemeClr val="accent3"/>
-              </a:solidFill>
-            </a:endParaRPr>
-          </a:p>
-        </p:txBody>
-      </p:sp>
-      <p:sp>
-        <p:nvSpPr>
-          <p:cNvPr id="1113" name="Google Shape;1113;p38"/>
-          <p:cNvSpPr txBox="1">
-            <a:spLocks noGrp="1"/>
-          </p:cNvSpPr>
-          <p:nvPr>
-            <p:ph type="ctrTitle" idx="4294967295"/>
-          </p:nvPr>
-        </p:nvSpPr>
-        <p:spPr>
-          <a:xfrm>
-            <a:off x="7018150" y="2113408"/>
-            <a:ext cx="1286400" cy="427800"/>
-          </a:xfrm>
-          <a:prstGeom prst="rect">
-            <a:avLst/>
-          </a:prstGeom>
-        </p:spPr>
-        <p:txBody>
-          <a:bodyPr spcFirstLastPara="1" wrap="square" lIns="91425" tIns="91425" rIns="91425" bIns="91425" anchor="ctr" anchorCtr="0">
-            <a:noAutofit/>
-          </a:bodyPr>
-          <a:lstStyle/>
-          <a:p>
-            <a:pPr marL="0" lvl="0" indent="0" algn="ctr" rtl="0">
-              <a:spcBef>
-                <a:spcPts val="0"/>
-              </a:spcBef>
-              <a:spcAft>
-                <a:spcPts val="0"/>
-              </a:spcAft>
-              <a:buNone/>
-            </a:pPr>
-            <a:r>
-              <a:rPr lang="en" sz="2400">
-                <a:solidFill>
-                  <a:schemeClr val="accent4"/>
-                </a:solidFill>
-              </a:rPr>
-              <a:t>DAY 04</a:t>
-            </a:r>
-            <a:endParaRPr sz="2400">
-              <a:solidFill>
-                <a:schemeClr val="accent4"/>
-              </a:solidFill>
-            </a:endParaRPr>
-          </a:p>
-        </p:txBody>
-      </p:sp>
+      </p:pic>
     </p:spTree>
   </p:cSld>
   <p:clrMapOvr>
@@ -34044,287 +31416,6 @@
 </file>
 
 <file path=ppt/theme/theme2.xml><?xml version="1.0" encoding="utf-8"?>
-<a:theme xmlns:a="http://schemas.openxmlformats.org/drawingml/2006/main" name="Slidesgo Final Pages">
-  <a:themeElements>
-    <a:clrScheme name="Simple Light">
-      <a:dk1>
-        <a:srgbClr val="000000"/>
-      </a:dk1>
-      <a:lt1>
-        <a:srgbClr val="FFFFFF"/>
-      </a:lt1>
-      <a:dk2>
-        <a:srgbClr val="595959"/>
-      </a:dk2>
-      <a:lt2>
-        <a:srgbClr val="EEEEEE"/>
-      </a:lt2>
-      <a:accent1>
-        <a:srgbClr val="FFAB40"/>
-      </a:accent1>
-      <a:accent2>
-        <a:srgbClr val="212121"/>
-      </a:accent2>
-      <a:accent3>
-        <a:srgbClr val="78909C"/>
-      </a:accent3>
-      <a:accent4>
-        <a:srgbClr val="FFAB40"/>
-      </a:accent4>
-      <a:accent5>
-        <a:srgbClr val="0097A7"/>
-      </a:accent5>
-      <a:accent6>
-        <a:srgbClr val="EEFF41"/>
-      </a:accent6>
-      <a:hlink>
-        <a:srgbClr val="0097A7"/>
-      </a:hlink>
-      <a:folHlink>
-        <a:srgbClr val="0097A7"/>
-      </a:folHlink>
-    </a:clrScheme>
-    <a:fontScheme name="Office">
-      <a:majorFont>
-        <a:latin typeface="Arial"/>
-        <a:ea typeface=""/>
-        <a:cs typeface=""/>
-        <a:font script="Jpan" typeface="ＭＳ Ｐゴシック"/>
-        <a:font script="Hang" typeface="맑은 고딕"/>
-        <a:font script="Hans" typeface="宋体"/>
-        <a:font script="Hant" typeface="新細明體"/>
-        <a:font script="Arab" typeface="Times New Roman"/>
-        <a:font script="Hebr" typeface="Times New Roman"/>
-        <a:font script="Thai" typeface="Angsana New"/>
-        <a:font script="Ethi" typeface="Nyala"/>
-        <a:font script="Beng" typeface="Vrinda"/>
-        <a:font script="Gujr" typeface="Shruti"/>
-        <a:font script="Khmr" typeface="MoolBoran"/>
-        <a:font script="Knda" typeface="Tunga"/>
-        <a:font script="Guru" typeface="Raavi"/>
-        <a:font script="Cans" typeface="Euphemia"/>
-        <a:font script="Cher" typeface="Plantagenet Cherokee"/>
-        <a:font script="Yiii" typeface="Microsoft Yi Baiti"/>
-        <a:font script="Tibt" typeface="Microsoft Himalaya"/>
-        <a:font script="Thaa" typeface="MV Boli"/>
-        <a:font script="Deva" typeface="Mangal"/>
-        <a:font script="Telu" typeface="Gautami"/>
-        <a:font script="Taml" typeface="Latha"/>
-        <a:font script="Syrc" typeface="Estrangelo Edessa"/>
-        <a:font script="Orya" typeface="Kalinga"/>
-        <a:font script="Mlym" typeface="Kartika"/>
-        <a:font script="Laoo" typeface="DokChampa"/>
-        <a:font script="Sinh" typeface="Iskoola Pota"/>
-        <a:font script="Mong" typeface="Mongolian Baiti"/>
-        <a:font script="Viet" typeface="Times New Roman"/>
-        <a:font script="Uigh" typeface="Microsoft Uighur"/>
-        <a:font script="Geor" typeface="Sylfaen"/>
-      </a:majorFont>
-      <a:minorFont>
-        <a:latin typeface="Arial"/>
-        <a:ea typeface=""/>
-        <a:cs typeface=""/>
-        <a:font script="Jpan" typeface="ＭＳ Ｐゴシック"/>
-        <a:font script="Hang" typeface="맑은 고딕"/>
-        <a:font script="Hans" typeface="宋体"/>
-        <a:font script="Hant" typeface="新細明體"/>
-        <a:font script="Arab" typeface="Arial"/>
-        <a:font script="Hebr" typeface="Arial"/>
-        <a:font script="Thai" typeface="Cordia New"/>
-        <a:font script="Ethi" typeface="Nyala"/>
-        <a:font script="Beng" typeface="Vrinda"/>
-        <a:font script="Gujr" typeface="Shruti"/>
-        <a:font script="Khmr" typeface="DaunPenh"/>
-        <a:font script="Knda" typeface="Tunga"/>
-        <a:font script="Guru" typeface="Raavi"/>
-        <a:font script="Cans" typeface="Euphemia"/>
-        <a:font script="Cher" typeface="Plantagenet Cherokee"/>
-        <a:font script="Yiii" typeface="Microsoft Yi Baiti"/>
-        <a:font script="Tibt" typeface="Microsoft Himalaya"/>
-        <a:font script="Thaa" typeface="MV Boli"/>
-        <a:font script="Deva" typeface="Mangal"/>
-        <a:font script="Telu" typeface="Gautami"/>
-        <a:font script="Taml" typeface="Latha"/>
-        <a:font script="Syrc" typeface="Estrangelo Edessa"/>
-        <a:font script="Orya" typeface="Kalinga"/>
-        <a:font script="Mlym" typeface="Kartika"/>
-        <a:font script="Laoo" typeface="DokChampa"/>
-        <a:font script="Sinh" typeface="Iskoola Pota"/>
-        <a:font script="Mong" typeface="Mongolian Baiti"/>
-        <a:font script="Viet" typeface="Arial"/>
-        <a:font script="Uigh" typeface="Microsoft Uighur"/>
-        <a:font script="Geor" typeface="Sylfaen"/>
-      </a:minorFont>
-    </a:fontScheme>
-    <a:fmtScheme name="Office">
-      <a:fillStyleLst>
-        <a:solidFill>
-          <a:schemeClr val="phClr"/>
-        </a:solidFill>
-        <a:gradFill rotWithShape="1">
-          <a:gsLst>
-            <a:gs pos="0">
-              <a:schemeClr val="phClr">
-                <a:tint val="50000"/>
-                <a:satMod val="300000"/>
-              </a:schemeClr>
-            </a:gs>
-            <a:gs pos="35000">
-              <a:schemeClr val="phClr">
-                <a:tint val="37000"/>
-                <a:satMod val="300000"/>
-              </a:schemeClr>
-            </a:gs>
-            <a:gs pos="100000">
-              <a:schemeClr val="phClr">
-                <a:tint val="15000"/>
-                <a:satMod val="350000"/>
-              </a:schemeClr>
-            </a:gs>
-          </a:gsLst>
-          <a:lin ang="16200000" scaled="1"/>
-        </a:gradFill>
-        <a:gradFill rotWithShape="1">
-          <a:gsLst>
-            <a:gs pos="0">
-              <a:schemeClr val="phClr">
-                <a:tint val="100000"/>
-                <a:shade val="100000"/>
-                <a:satMod val="130000"/>
-              </a:schemeClr>
-            </a:gs>
-            <a:gs pos="100000">
-              <a:schemeClr val="phClr">
-                <a:tint val="50000"/>
-                <a:shade val="100000"/>
-                <a:satMod val="350000"/>
-              </a:schemeClr>
-            </a:gs>
-          </a:gsLst>
-          <a:lin ang="16200000" scaled="0"/>
-        </a:gradFill>
-      </a:fillStyleLst>
-      <a:lnStyleLst>
-        <a:ln w="9525" cap="flat" cmpd="sng" algn="ctr">
-          <a:solidFill>
-            <a:schemeClr val="phClr">
-              <a:shade val="95000"/>
-              <a:satMod val="105000"/>
-            </a:schemeClr>
-          </a:solidFill>
-          <a:prstDash val="solid"/>
-        </a:ln>
-        <a:ln w="25400" cap="flat" cmpd="sng" algn="ctr">
-          <a:solidFill>
-            <a:schemeClr val="phClr"/>
-          </a:solidFill>
-          <a:prstDash val="solid"/>
-        </a:ln>
-        <a:ln w="38100" cap="flat" cmpd="sng" algn="ctr">
-          <a:solidFill>
-            <a:schemeClr val="phClr"/>
-          </a:solidFill>
-          <a:prstDash val="solid"/>
-        </a:ln>
-      </a:lnStyleLst>
-      <a:effectStyleLst>
-        <a:effectStyle>
-          <a:effectLst>
-            <a:outerShdw blurRad="40000" dist="20000" dir="5400000" rotWithShape="0">
-              <a:srgbClr val="000000">
-                <a:alpha val="38000"/>
-              </a:srgbClr>
-            </a:outerShdw>
-          </a:effectLst>
-        </a:effectStyle>
-        <a:effectStyle>
-          <a:effectLst>
-            <a:outerShdw blurRad="40000" dist="23000" dir="5400000" rotWithShape="0">
-              <a:srgbClr val="000000">
-                <a:alpha val="35000"/>
-              </a:srgbClr>
-            </a:outerShdw>
-          </a:effectLst>
-        </a:effectStyle>
-        <a:effectStyle>
-          <a:effectLst>
-            <a:outerShdw blurRad="40000" dist="23000" dir="5400000" rotWithShape="0">
-              <a:srgbClr val="000000">
-                <a:alpha val="35000"/>
-              </a:srgbClr>
-            </a:outerShdw>
-          </a:effectLst>
-          <a:scene3d>
-            <a:camera prst="orthographicFront">
-              <a:rot lat="0" lon="0" rev="0"/>
-            </a:camera>
-            <a:lightRig rig="threePt" dir="t">
-              <a:rot lat="0" lon="0" rev="1200000"/>
-            </a:lightRig>
-          </a:scene3d>
-          <a:sp3d>
-            <a:bevelT w="63500" h="25400"/>
-          </a:sp3d>
-        </a:effectStyle>
-      </a:effectStyleLst>
-      <a:bgFillStyleLst>
-        <a:solidFill>
-          <a:schemeClr val="phClr"/>
-        </a:solidFill>
-        <a:gradFill rotWithShape="1">
-          <a:gsLst>
-            <a:gs pos="0">
-              <a:schemeClr val="phClr">
-                <a:tint val="40000"/>
-                <a:satMod val="350000"/>
-              </a:schemeClr>
-            </a:gs>
-            <a:gs pos="40000">
-              <a:schemeClr val="phClr">
-                <a:tint val="45000"/>
-                <a:shade val="99000"/>
-                <a:satMod val="350000"/>
-              </a:schemeClr>
-            </a:gs>
-            <a:gs pos="100000">
-              <a:schemeClr val="phClr">
-                <a:shade val="20000"/>
-                <a:satMod val="255000"/>
-              </a:schemeClr>
-            </a:gs>
-          </a:gsLst>
-          <a:path path="circle">
-            <a:fillToRect l="50000" t="-80000" r="50000" b="180000"/>
-          </a:path>
-        </a:gradFill>
-        <a:gradFill rotWithShape="1">
-          <a:gsLst>
-            <a:gs pos="0">
-              <a:schemeClr val="phClr">
-                <a:tint val="80000"/>
-                <a:satMod val="300000"/>
-              </a:schemeClr>
-            </a:gs>
-            <a:gs pos="100000">
-              <a:schemeClr val="phClr">
-                <a:shade val="30000"/>
-                <a:satMod val="200000"/>
-              </a:schemeClr>
-            </a:gs>
-          </a:gsLst>
-          <a:path path="circle">
-            <a:fillToRect l="50000" t="50000" r="50000" b="50000"/>
-          </a:path>
-        </a:gradFill>
-      </a:bgFillStyleLst>
-    </a:fmtScheme>
-  </a:themeElements>
-  <a:objectDefaults/>
-  <a:extraClrSchemeLst/>
-</a:theme>
-</file>
-
-<file path=ppt/theme/theme3.xml><?xml version="1.0" encoding="utf-8"?>
 <a:theme xmlns:a="http://schemas.openxmlformats.org/drawingml/2006/main">
   <a:themeElements>
     <a:clrScheme name="Default">

--- a/Presentacion-Demo-1.pptx
+++ b/Presentacion-Demo-1.pptx
@@ -22,32 +22,32 @@
   <p:notesSz cx="6858000" cy="9144000"/>
   <p:embeddedFontLst>
     <p:embeddedFont>
-      <p:font typeface="Maven Pro" panose="020B0604020202020204" charset="0"/>
+      <p:font typeface="Maven Pro" charset="0"/>
       <p:regular r:id="rId12"/>
       <p:bold r:id="rId13"/>
     </p:embeddedFont>
     <p:embeddedFont>
-      <p:font typeface="Share Tech" panose="020B0604020202020204" charset="0"/>
+      <p:font typeface="Share Tech" charset="0"/>
       <p:regular r:id="rId14"/>
     </p:embeddedFont>
     <p:embeddedFont>
-      <p:font typeface="Fira Sans Condensed Medium" panose="020B0604020202020204" charset="0"/>
+      <p:font typeface="Advent Pro SemiBold" charset="0"/>
       <p:regular r:id="rId15"/>
       <p:bold r:id="rId16"/>
       <p:italic r:id="rId17"/>
       <p:boldItalic r:id="rId18"/>
     </p:embeddedFont>
     <p:embeddedFont>
-      <p:font typeface="Fira Sans Extra Condensed Medium" panose="020B0604020202020204" charset="0"/>
+      <p:font typeface="Fira Sans Condensed Medium" charset="0"/>
       <p:regular r:id="rId19"/>
-      <p:italic r:id="rId20"/>
+      <p:bold r:id="rId20"/>
+      <p:italic r:id="rId21"/>
+      <p:boldItalic r:id="rId22"/>
     </p:embeddedFont>
     <p:embeddedFont>
-      <p:font typeface="Advent Pro SemiBold" panose="020B0604020202020204" charset="0"/>
-      <p:regular r:id="rId21"/>
-      <p:bold r:id="rId22"/>
-      <p:italic r:id="rId23"/>
-      <p:boldItalic r:id="rId24"/>
+      <p:font typeface="Fira Sans Extra Condensed Medium" pitchFamily="34" charset="0"/>
+      <p:regular r:id="rId23"/>
+      <p:italic r:id="rId24"/>
     </p:embeddedFont>
   </p:embeddedFontLst>
   <p:defaultTextStyle>
@@ -281,7 +281,7 @@
   </p:defaultTextStyle>
   <p:extLst>
     <p:ext uri="{EFAFB233-063F-42B5-8137-9DF3F51BA10A}">
-      <p15:sldGuideLst xmlns:p15="http://schemas.microsoft.com/office/powerpoint/2012/main">
+      <p15:sldGuideLst xmlns:p15="http://schemas.microsoft.com/office/powerpoint/2012/main" xmlns="">
         <p15:guide id="1" orient="horz" pos="1620">
           <p15:clr>
             <a:srgbClr val="A4A3A4"/>
@@ -17852,7 +17852,7 @@
           <a:blip r:embed="rId3">
             <a:extLst>
               <a:ext uri="{28A0092B-C50C-407E-A947-70E740481C1C}">
-                <a14:useLocalDpi xmlns:a14="http://schemas.microsoft.com/office/drawing/2010/main" val="0"/>
+                <a14:useLocalDpi xmlns:a14="http://schemas.microsoft.com/office/drawing/2010/main" xmlns="" val="0"/>
               </a:ext>
             </a:extLst>
           </a:blip>
@@ -17882,7 +17882,7 @@
           <a:blip r:embed="rId4">
             <a:extLst>
               <a:ext uri="{BEBA8EAE-BF5A-486C-A8C5-ECC9F3942E4B}">
-                <a14:imgProps xmlns:a14="http://schemas.microsoft.com/office/drawing/2010/main">
+                <a14:imgProps xmlns:a14="http://schemas.microsoft.com/office/drawing/2010/main" xmlns="">
                   <a14:imgLayer r:embed="rId5">
                     <a14:imgEffect>
                       <a14:saturation sat="0"/>
@@ -17891,7 +17891,7 @@
                 </a14:imgProps>
               </a:ext>
               <a:ext uri="{28A0092B-C50C-407E-A947-70E740481C1C}">
-                <a14:useLocalDpi xmlns:a14="http://schemas.microsoft.com/office/drawing/2010/main" val="0"/>
+                <a14:useLocalDpi xmlns:a14="http://schemas.microsoft.com/office/drawing/2010/main" xmlns="" val="0"/>
               </a:ext>
             </a:extLst>
           </a:blip>
@@ -17921,7 +17921,7 @@
           <a:blip r:embed="rId6">
             <a:extLst>
               <a:ext uri="{BEBA8EAE-BF5A-486C-A8C5-ECC9F3942E4B}">
-                <a14:imgProps xmlns:a14="http://schemas.microsoft.com/office/drawing/2010/main">
+                <a14:imgProps xmlns:a14="http://schemas.microsoft.com/office/drawing/2010/main" xmlns="">
                   <a14:imgLayer r:embed="rId7">
                     <a14:imgEffect>
                       <a14:saturation sat="0"/>
@@ -17930,7 +17930,7 @@
                 </a14:imgProps>
               </a:ext>
               <a:ext uri="{28A0092B-C50C-407E-A947-70E740481C1C}">
-                <a14:useLocalDpi xmlns:a14="http://schemas.microsoft.com/office/drawing/2010/main" val="0"/>
+                <a14:useLocalDpi xmlns:a14="http://schemas.microsoft.com/office/drawing/2010/main" xmlns="" val="0"/>
               </a:ext>
             </a:extLst>
           </a:blip>
@@ -19649,7 +19649,7 @@
           <a:blip r:embed="rId8">
             <a:extLst>
               <a:ext uri="{BEBA8EAE-BF5A-486C-A8C5-ECC9F3942E4B}">
-                <a14:imgProps xmlns:a14="http://schemas.microsoft.com/office/drawing/2010/main">
+                <a14:imgProps xmlns:a14="http://schemas.microsoft.com/office/drawing/2010/main" xmlns="">
                   <a14:imgLayer r:embed="rId9">
                     <a14:imgEffect>
                       <a14:saturation sat="0"/>
@@ -19658,7 +19658,7 @@
                 </a14:imgProps>
               </a:ext>
               <a:ext uri="{28A0092B-C50C-407E-A947-70E740481C1C}">
-                <a14:useLocalDpi xmlns:a14="http://schemas.microsoft.com/office/drawing/2010/main" val="0"/>
+                <a14:useLocalDpi xmlns:a14="http://schemas.microsoft.com/office/drawing/2010/main" xmlns="" val="0"/>
               </a:ext>
             </a:extLst>
           </a:blip>
@@ -19687,7 +19687,7 @@
           <a:blip r:embed="rId10">
             <a:extLst>
               <a:ext uri="{BEBA8EAE-BF5A-486C-A8C5-ECC9F3942E4B}">
-                <a14:imgProps xmlns:a14="http://schemas.microsoft.com/office/drawing/2010/main">
+                <a14:imgProps xmlns:a14="http://schemas.microsoft.com/office/drawing/2010/main" xmlns="">
                   <a14:imgLayer r:embed="rId11">
                     <a14:imgEffect>
                       <a14:saturation sat="0"/>
@@ -19696,7 +19696,7 @@
                 </a14:imgProps>
               </a:ext>
               <a:ext uri="{28A0092B-C50C-407E-A947-70E740481C1C}">
-                <a14:useLocalDpi xmlns:a14="http://schemas.microsoft.com/office/drawing/2010/main" val="0"/>
+                <a14:useLocalDpi xmlns:a14="http://schemas.microsoft.com/office/drawing/2010/main" xmlns="" val="0"/>
               </a:ext>
             </a:extLst>
           </a:blip>
@@ -29481,7 +29481,27 @@
                 <a:latin typeface="Maven Pro"/>
                 <a:sym typeface="Maven Pro"/>
               </a:rPr>
-              <a:t>Base de datos de ubicacion geografica de comercios en Estados Unidos, y reviews de dichos comercios a partir de 1990 hasta 2021</a:t>
+              <a:t>Base de datos de ubicacion geografica de comercios en Estados Unidos, y reviews de dichos comercios a partir de </a:t>
+            </a:r>
+            <a:r>
+              <a:rPr lang="en" dirty="0" smtClean="0">
+                <a:solidFill>
+                  <a:schemeClr val="lt1"/>
+                </a:solidFill>
+                <a:latin typeface="Maven Pro"/>
+                <a:sym typeface="Maven Pro"/>
+              </a:rPr>
+              <a:t>2003 </a:t>
+            </a:r>
+            <a:r>
+              <a:rPr lang="en" dirty="0" smtClean="0">
+                <a:solidFill>
+                  <a:schemeClr val="lt1"/>
+                </a:solidFill>
+                <a:latin typeface="Maven Pro"/>
+                <a:sym typeface="Maven Pro"/>
+              </a:rPr>
+              <a:t>hasta 2021</a:t>
             </a:r>
             <a:endParaRPr lang="en-US" dirty="0"/>
           </a:p>
@@ -29706,7 +29726,27 @@
                 <a:latin typeface="Maven Pro"/>
                 <a:sym typeface="Maven Pro"/>
               </a:rPr>
-              <a:t>Base de datos con informacion de comercios en Estados Unidos, con reviews y datos de los usuarios a partir de 1990 hasta 2021</a:t>
+              <a:t>Base de datos con informacion de comercios en Estados Unidos, con reviews y datos de los usuarios a partir de </a:t>
+            </a:r>
+            <a:r>
+              <a:rPr lang="en" dirty="0" smtClean="0">
+                <a:solidFill>
+                  <a:schemeClr val="lt1"/>
+                </a:solidFill>
+                <a:latin typeface="Maven Pro"/>
+                <a:sym typeface="Maven Pro"/>
+              </a:rPr>
+              <a:t>2004 </a:t>
+            </a:r>
+            <a:r>
+              <a:rPr lang="en" dirty="0" smtClean="0">
+                <a:solidFill>
+                  <a:schemeClr val="lt1"/>
+                </a:solidFill>
+                <a:latin typeface="Maven Pro"/>
+                <a:sym typeface="Maven Pro"/>
+              </a:rPr>
+              <a:t>hasta 2021</a:t>
             </a:r>
             <a:endParaRPr lang="en-US" dirty="0"/>
           </a:p>
@@ -31108,7 +31148,7 @@
           <a:blip r:embed="rId2">
             <a:extLst>
               <a:ext uri="{28A0092B-C50C-407E-A947-70E740481C1C}">
-                <a14:useLocalDpi xmlns:a14="http://schemas.microsoft.com/office/drawing/2010/main" val="0"/>
+                <a14:useLocalDpi xmlns:a14="http://schemas.microsoft.com/office/drawing/2010/main" xmlns="" val="0"/>
               </a:ext>
             </a:extLst>
           </a:blip>

--- a/Presentacion-Demo-1.pptx
+++ b/Presentacion-Demo-1.pptx
@@ -22,32 +22,42 @@
   <p:notesSz cx="6858000" cy="9144000"/>
   <p:embeddedFontLst>
     <p:embeddedFont>
-      <p:font typeface="Maven Pro" charset="0"/>
+      <p:font typeface="Advent Pro SemiBold" panose="020B0604020202020204" charset="0"/>
       <p:regular r:id="rId12"/>
       <p:bold r:id="rId13"/>
+      <p:italic r:id="rId14"/>
+      <p:boldItalic r:id="rId15"/>
     </p:embeddedFont>
     <p:embeddedFont>
-      <p:font typeface="Share Tech" charset="0"/>
-      <p:regular r:id="rId14"/>
+      <p:font typeface="Fira Sans Condensed Medium" panose="020B0603050000020004" pitchFamily="34" charset="0"/>
+      <p:regular r:id="rId16"/>
+      <p:bold r:id="rId17"/>
+      <p:italic r:id="rId18"/>
+      <p:boldItalic r:id="rId19"/>
     </p:embeddedFont>
     <p:embeddedFont>
-      <p:font typeface="Advent Pro SemiBold" charset="0"/>
-      <p:regular r:id="rId15"/>
-      <p:bold r:id="rId16"/>
-      <p:italic r:id="rId17"/>
-      <p:boldItalic r:id="rId18"/>
+      <p:font typeface="Fira Sans Extra Condensed Medium" panose="020B0604020202020204" charset="0"/>
+      <p:regular r:id="rId20"/>
+      <p:italic r:id="rId21"/>
     </p:embeddedFont>
     <p:embeddedFont>
-      <p:font typeface="Fira Sans Condensed Medium" charset="0"/>
-      <p:regular r:id="rId19"/>
-      <p:bold r:id="rId20"/>
-      <p:italic r:id="rId21"/>
-      <p:boldItalic r:id="rId22"/>
+      <p:font typeface="Livvic Light" pitchFamily="2" charset="0"/>
+      <p:regular r:id="rId22"/>
+      <p:italic r:id="rId23"/>
     </p:embeddedFont>
     <p:embeddedFont>
-      <p:font typeface="Fira Sans Extra Condensed Medium" pitchFamily="34" charset="0"/>
-      <p:regular r:id="rId23"/>
-      <p:italic r:id="rId24"/>
+      <p:font typeface="Maven Pro" panose="020B0604020202020204" charset="0"/>
+      <p:regular r:id="rId24"/>
+      <p:bold r:id="rId25"/>
+    </p:embeddedFont>
+    <p:embeddedFont>
+      <p:font typeface="Nunito Light" pitchFamily="2" charset="0"/>
+      <p:regular r:id="rId26"/>
+      <p:italic r:id="rId27"/>
+    </p:embeddedFont>
+    <p:embeddedFont>
+      <p:font typeface="Share Tech" panose="020B0604020202020204" charset="0"/>
+      <p:regular r:id="rId28"/>
     </p:embeddedFont>
   </p:embeddedFontLst>
   <p:defaultTextStyle>
@@ -281,7 +291,7 @@
   </p:defaultTextStyle>
   <p:extLst>
     <p:ext uri="{EFAFB233-063F-42B5-8137-9DF3F51BA10A}">
-      <p15:sldGuideLst xmlns:p15="http://schemas.microsoft.com/office/powerpoint/2012/main" xmlns="">
+      <p15:sldGuideLst xmlns:p15="http://schemas.microsoft.com/office/powerpoint/2012/main">
         <p15:guide id="1" orient="horz" pos="1620">
           <p15:clr>
             <a:srgbClr val="A4A3A4"/>
@@ -16194,7 +16204,7 @@
               <a:buNone/>
             </a:pPr>
             <a:r>
-              <a:rPr lang="en" dirty="0" smtClean="0"/>
+              <a:rPr lang="en" dirty="0"/>
               <a:t>Restaurants en USA</a:t>
             </a:r>
             <a:endParaRPr/>
@@ -17593,7 +17603,7 @@
               <a:buNone/>
             </a:pPr>
             <a:r>
-              <a:rPr lang="en" sz="3000" dirty="0" smtClean="0"/>
+              <a:rPr lang="en" sz="3000" dirty="0"/>
               <a:t>Nuestro Equipo:</a:t>
             </a:r>
             <a:endParaRPr sz="3000"/>
@@ -17635,7 +17645,7 @@
               <a:buNone/>
             </a:pPr>
             <a:r>
-              <a:rPr lang="en" sz="1300" dirty="0" smtClean="0"/>
+              <a:rPr lang="en" sz="1300" dirty="0"/>
               <a:t>ALEJANDRO VOLPONI</a:t>
             </a:r>
             <a:endParaRPr sz="1300" dirty="0"/>
@@ -17677,7 +17687,7 @@
               <a:buNone/>
             </a:pPr>
             <a:r>
-              <a:rPr lang="en" sz="1000" dirty="0" smtClean="0"/>
+              <a:rPr lang="en" sz="1000" dirty="0"/>
               <a:t>Data analyst</a:t>
             </a:r>
             <a:endParaRPr sz="1000" dirty="0"/>
@@ -17696,7 +17706,7 @@
         </p:nvSpPr>
         <p:spPr>
           <a:xfrm>
-            <a:off x="5410200" y="2810510"/>
+            <a:off x="5410200" y="3267710"/>
             <a:ext cx="1290295" cy="644700"/>
           </a:xfrm>
           <a:prstGeom prst="rect">
@@ -17711,7 +17721,7 @@
           <a:p>
             <a:pPr lvl="0"/>
             <a:r>
-              <a:rPr lang="en-US" sz="1300" b="1" dirty="0" smtClean="0"/>
+              <a:rPr lang="en-US" sz="1300" b="1" dirty="0"/>
               <a:t>ALBA CASTILLO</a:t>
             </a:r>
             <a:endParaRPr sz="1300" dirty="0"/>
@@ -17730,7 +17740,7 @@
         </p:nvSpPr>
         <p:spPr>
           <a:xfrm>
-            <a:off x="5514410" y="3296393"/>
+            <a:off x="5514410" y="3753593"/>
             <a:ext cx="1011923" cy="494557"/>
           </a:xfrm>
           <a:prstGeom prst="rect">
@@ -17753,7 +17763,7 @@
               <a:buNone/>
             </a:pPr>
             <a:r>
-              <a:rPr lang="en" sz="1000" dirty="0" smtClean="0"/>
+              <a:rPr lang="en" sz="1000" dirty="0"/>
               <a:t>Data scientist</a:t>
             </a:r>
             <a:endParaRPr sz="1000" dirty="0"/>
@@ -17852,7 +17862,7 @@
           <a:blip r:embed="rId3">
             <a:extLst>
               <a:ext uri="{28A0092B-C50C-407E-A947-70E740481C1C}">
-                <a14:useLocalDpi xmlns:a14="http://schemas.microsoft.com/office/drawing/2010/main" xmlns="" val="0"/>
+                <a14:useLocalDpi xmlns:a14="http://schemas.microsoft.com/office/drawing/2010/main" val="0"/>
               </a:ext>
             </a:extLst>
           </a:blip>
@@ -17882,7 +17892,7 @@
           <a:blip r:embed="rId4">
             <a:extLst>
               <a:ext uri="{BEBA8EAE-BF5A-486C-A8C5-ECC9F3942E4B}">
-                <a14:imgProps xmlns:a14="http://schemas.microsoft.com/office/drawing/2010/main" xmlns="">
+                <a14:imgProps xmlns:a14="http://schemas.microsoft.com/office/drawing/2010/main">
                   <a14:imgLayer r:embed="rId5">
                     <a14:imgEffect>
                       <a14:saturation sat="0"/>
@@ -17891,7 +17901,7 @@
                 </a14:imgProps>
               </a:ext>
               <a:ext uri="{28A0092B-C50C-407E-A947-70E740481C1C}">
-                <a14:useLocalDpi xmlns:a14="http://schemas.microsoft.com/office/drawing/2010/main" xmlns="" val="0"/>
+                <a14:useLocalDpi xmlns:a14="http://schemas.microsoft.com/office/drawing/2010/main" val="0"/>
               </a:ext>
             </a:extLst>
           </a:blip>
@@ -17901,7 +17911,7 @@
         </p:blipFill>
         <p:spPr>
           <a:xfrm>
-            <a:off x="5622788" y="1676152"/>
+            <a:off x="5622788" y="2133352"/>
             <a:ext cx="1423174" cy="1423174"/>
           </a:xfrm>
           <a:prstGeom prst="rect">
@@ -17921,7 +17931,7 @@
           <a:blip r:embed="rId6">
             <a:extLst>
               <a:ext uri="{BEBA8EAE-BF5A-486C-A8C5-ECC9F3942E4B}">
-                <a14:imgProps xmlns:a14="http://schemas.microsoft.com/office/drawing/2010/main" xmlns="">
+                <a14:imgProps xmlns:a14="http://schemas.microsoft.com/office/drawing/2010/main">
                   <a14:imgLayer r:embed="rId7">
                     <a14:imgEffect>
                       <a14:saturation sat="0"/>
@@ -17930,7 +17940,7 @@
                 </a14:imgProps>
               </a:ext>
               <a:ext uri="{28A0092B-C50C-407E-A947-70E740481C1C}">
-                <a14:useLocalDpi xmlns:a14="http://schemas.microsoft.com/office/drawing/2010/main" xmlns="" val="0"/>
+                <a14:useLocalDpi xmlns:a14="http://schemas.microsoft.com/office/drawing/2010/main" val="0"/>
               </a:ext>
             </a:extLst>
           </a:blip>
@@ -17940,7 +17950,7 @@
         </p:blipFill>
         <p:spPr>
           <a:xfrm>
-            <a:off x="2156283" y="1733433"/>
+            <a:off x="2156283" y="2114550"/>
             <a:ext cx="1423174" cy="1423174"/>
           </a:xfrm>
           <a:prstGeom prst="rect">
@@ -17958,7 +17968,7 @@
         </p:nvSpPr>
         <p:spPr>
           <a:xfrm>
-            <a:off x="2075964" y="3065306"/>
+            <a:off x="2075964" y="3522623"/>
             <a:ext cx="1510420" cy="420727"/>
           </a:xfrm>
           <a:prstGeom prst="rect">
@@ -18222,10 +18232,9 @@
           </a:lstStyle>
           <a:p>
             <a:r>
-              <a:rPr lang="en-US" sz="1300" dirty="0" smtClean="0"/>
+              <a:rPr lang="en-US" sz="1300" dirty="0"/>
               <a:t>MARCO CARNAGHI</a:t>
             </a:r>
-            <a:endParaRPr lang="en-US" sz="1300" dirty="0"/>
           </a:p>
         </p:txBody>
       </p:sp>
@@ -18239,7 +18248,7 @@
         </p:nvSpPr>
         <p:spPr>
           <a:xfrm>
-            <a:off x="1845018" y="3315424"/>
+            <a:off x="1845018" y="3772741"/>
             <a:ext cx="1194808" cy="458284"/>
           </a:xfrm>
           <a:prstGeom prst="rect">
@@ -18504,10 +18513,9 @@
           <a:p>
             <a:pPr marL="0" indent="0"/>
             <a:r>
-              <a:rPr lang="en-US" sz="1000" dirty="0" smtClean="0"/>
+              <a:rPr lang="en-US" sz="1000" dirty="0"/>
               <a:t>Data scientist</a:t>
             </a:r>
-            <a:endParaRPr lang="en-US" sz="1000" dirty="0"/>
           </a:p>
         </p:txBody>
       </p:sp>
@@ -18521,7 +18529,7 @@
         </p:nvSpPr>
         <p:spPr>
           <a:xfrm>
-            <a:off x="3799708" y="2487497"/>
+            <a:off x="3799708" y="3491495"/>
             <a:ext cx="1399267" cy="472043"/>
           </a:xfrm>
           <a:prstGeom prst="rect">
@@ -18785,7 +18793,7 @@
           </a:lstStyle>
           <a:p>
             <a:r>
-              <a:rPr lang="en-US" sz="1300" b="1" dirty="0" smtClean="0"/>
+              <a:rPr lang="en-US" sz="1300" b="1" dirty="0"/>
               <a:t>SEBASTIAN SAENZ</a:t>
             </a:r>
             <a:endParaRPr lang="en-US" sz="1300" dirty="0"/>
@@ -18802,7 +18810,7 @@
         </p:nvSpPr>
         <p:spPr>
           <a:xfrm>
-            <a:off x="3563171" y="2755629"/>
+            <a:off x="3563171" y="3759627"/>
             <a:ext cx="1264030" cy="435972"/>
           </a:xfrm>
           <a:prstGeom prst="rect">
@@ -19067,10 +19075,9 @@
           <a:p>
             <a:pPr marL="0" indent="0"/>
             <a:r>
-              <a:rPr lang="en-US" sz="1000" dirty="0" smtClean="0"/>
+              <a:rPr lang="en-US" sz="1000" dirty="0"/>
               <a:t>Data engineer</a:t>
             </a:r>
-            <a:endParaRPr lang="en-US" sz="1000" dirty="0"/>
           </a:p>
         </p:txBody>
       </p:sp>
@@ -19084,7 +19091,7 @@
         </p:nvSpPr>
         <p:spPr>
           <a:xfrm>
-            <a:off x="7010400" y="3409478"/>
+            <a:off x="7010400" y="3293298"/>
             <a:ext cx="1290295" cy="644700"/>
           </a:xfrm>
           <a:prstGeom prst="rect">
@@ -19348,7 +19355,7 @@
           </a:lstStyle>
           <a:p>
             <a:r>
-              <a:rPr lang="es-AR" sz="1300" b="1" dirty="0" smtClean="0"/>
+              <a:rPr lang="es-AR" sz="1300" b="1" dirty="0"/>
               <a:t>LUIS TORRES</a:t>
             </a:r>
             <a:endParaRPr lang="en-US" sz="1300" dirty="0"/>
@@ -19365,7 +19372,7 @@
         </p:nvSpPr>
         <p:spPr>
           <a:xfrm>
-            <a:off x="7217677" y="3869773"/>
+            <a:off x="7217677" y="3753593"/>
             <a:ext cx="1011923" cy="494557"/>
           </a:xfrm>
           <a:prstGeom prst="rect">
@@ -19630,10 +19637,9 @@
           <a:p>
             <a:pPr marL="0" indent="0"/>
             <a:r>
-              <a:rPr lang="en-US" sz="1000" dirty="0" smtClean="0"/>
+              <a:rPr lang="en-US" sz="1000" dirty="0"/>
               <a:t>Data analyst</a:t>
             </a:r>
-            <a:endParaRPr lang="en-US" sz="1000" dirty="0"/>
           </a:p>
         </p:txBody>
       </p:sp>
@@ -19649,7 +19655,7 @@
           <a:blip r:embed="rId8">
             <a:extLst>
               <a:ext uri="{BEBA8EAE-BF5A-486C-A8C5-ECC9F3942E4B}">
-                <a14:imgProps xmlns:a14="http://schemas.microsoft.com/office/drawing/2010/main" xmlns="">
+                <a14:imgProps xmlns:a14="http://schemas.microsoft.com/office/drawing/2010/main">
                   <a14:imgLayer r:embed="rId9">
                     <a14:imgEffect>
                       <a14:saturation sat="0"/>
@@ -19658,7 +19664,7 @@
                 </a14:imgProps>
               </a:ext>
               <a:ext uri="{28A0092B-C50C-407E-A947-70E740481C1C}">
-                <a14:useLocalDpi xmlns:a14="http://schemas.microsoft.com/office/drawing/2010/main" xmlns="" val="0"/>
+                <a14:useLocalDpi xmlns:a14="http://schemas.microsoft.com/office/drawing/2010/main" val="0"/>
               </a:ext>
             </a:extLst>
           </a:blip>
@@ -19667,8 +19673,8 @@
         </p:blipFill>
         <p:spPr>
           <a:xfrm>
-            <a:off x="3799708" y="1110552"/>
-            <a:ext cx="1496689" cy="1524000"/>
+            <a:off x="3799708" y="2114550"/>
+            <a:ext cx="1496689" cy="1447800"/>
           </a:xfrm>
           <a:prstGeom prst="rect">
             <a:avLst/>
@@ -19687,7 +19693,7 @@
           <a:blip r:embed="rId10">
             <a:extLst>
               <a:ext uri="{BEBA8EAE-BF5A-486C-A8C5-ECC9F3942E4B}">
-                <a14:imgProps xmlns:a14="http://schemas.microsoft.com/office/drawing/2010/main" xmlns="">
+                <a14:imgProps xmlns:a14="http://schemas.microsoft.com/office/drawing/2010/main">
                   <a14:imgLayer r:embed="rId11">
                     <a14:imgEffect>
                       <a14:saturation sat="0"/>
@@ -19696,7 +19702,7 @@
                 </a14:imgProps>
               </a:ext>
               <a:ext uri="{28A0092B-C50C-407E-A947-70E740481C1C}">
-                <a14:useLocalDpi xmlns:a14="http://schemas.microsoft.com/office/drawing/2010/main" xmlns="" val="0"/>
+                <a14:useLocalDpi xmlns:a14="http://schemas.microsoft.com/office/drawing/2010/main" val="0"/>
               </a:ext>
             </a:extLst>
           </a:blip>
@@ -19706,7 +19712,7 @@
         </p:blipFill>
         <p:spPr>
           <a:xfrm>
-            <a:off x="7394877" y="2286447"/>
+            <a:off x="7394877" y="2114550"/>
             <a:ext cx="1428250" cy="1428250"/>
           </a:xfrm>
           <a:prstGeom prst="rect">
@@ -19764,30 +19770,30 @@
           </a:bodyPr>
           <a:lstStyle/>
           <a:p>
-            <a:pPr marL="0" lvl="0" indent="0">
+            <a:pPr marL="0" lvl="0" indent="0" algn="just">
               <a:buNone/>
             </a:pPr>
             <a:r>
-              <a:rPr lang="es-ES" dirty="0" smtClean="0"/>
-              <a:t>Como parte de una consultora de data, nos han contratado para poder realizar un análisis del mercado estadounidense. Nuestro cliente es parte de un conglomerado de empresas de restaurantes, y desean tener un análisis detallado de la opinión de los usuarios en </a:t>
+              <a:rPr lang="es-ES" dirty="0"/>
+              <a:t>Como parte de una consultora de data, nos han contratado para realizar un análisis del mercado en Estados Unidos. Nuestro cliente es parte de una franquicia de restaurantes y desea tener un análisis detallado de la opinión de los usuarios en </a:t>
             </a:r>
             <a:r>
-              <a:rPr lang="es-ES" dirty="0" err="1" smtClean="0"/>
+              <a:rPr lang="es-ES" dirty="0" err="1"/>
               <a:t>Yelp</a:t>
             </a:r>
             <a:r>
-              <a:rPr lang="es-ES" dirty="0" smtClean="0"/>
-              <a:t> y cruzarlos con los de Google </a:t>
+              <a:rPr lang="es-ES" dirty="0"/>
+              <a:t> y compararlos con los de Google </a:t>
             </a:r>
             <a:r>
-              <a:rPr lang="es-ES" dirty="0" err="1" smtClean="0"/>
+              <a:rPr lang="es-ES" dirty="0" err="1"/>
               <a:t>Maps</a:t>
             </a:r>
             <a:r>
-              <a:rPr lang="es-ES" dirty="0" smtClean="0"/>
-              <a:t>  restaurantes, utilizando análisis de sentimientos, predecir cuáles serán los rubros del sector gastronómico que más crecerán (o decaerán).</a:t>
+              <a:rPr lang="es-ES" dirty="0"/>
+              <a:t>  restaurantes, utilizando análisis de sentimientos, con el fin de predecir cuáles serán las categorías del sector gastronómico que más crecerán o decaerán.</a:t>
             </a:r>
-            <a:endParaRPr/>
+            <a:endParaRPr dirty="0"/>
           </a:p>
         </p:txBody>
       </p:sp>
@@ -24619,7 +24625,7 @@
               <a:buNone/>
             </a:pPr>
             <a:r>
-              <a:rPr lang="en" dirty="0" smtClean="0"/>
+              <a:rPr lang="en" dirty="0"/>
               <a:t>OBJETIVO</a:t>
             </a:r>
             <a:endParaRPr/>
@@ -24638,7 +24644,7 @@
         </p:nvSpPr>
         <p:spPr>
           <a:xfrm>
-            <a:off x="6705600" y="3562350"/>
+            <a:off x="6172200" y="3562350"/>
             <a:ext cx="2096702" cy="1371600"/>
           </a:xfrm>
           <a:prstGeom prst="rect">
@@ -24651,7 +24657,7 @@
           </a:bodyPr>
           <a:lstStyle/>
           <a:p>
-            <a:pPr marL="0" lvl="0" indent="0" algn="l" rtl="0">
+            <a:pPr marL="0" lvl="0" indent="0" algn="ctr" rtl="0">
               <a:spcBef>
                 <a:spcPts val="0"/>
               </a:spcBef>
@@ -24661,8 +24667,8 @@
               <a:buNone/>
             </a:pPr>
             <a:r>
-              <a:rPr lang="es-ES" dirty="0" smtClean="0"/>
-              <a:t>Determinar zona geográfica y tipo  comercio gastronómico</a:t>
+              <a:rPr lang="es-ES" dirty="0"/>
+              <a:t>Determinar zona geográfica y tipo de comercio gastronómico</a:t>
             </a:r>
           </a:p>
         </p:txBody>
@@ -24702,7 +24708,7 @@
               <a:buNone/>
             </a:pPr>
             <a:r>
-              <a:rPr lang="en" dirty="0" smtClean="0"/>
+              <a:rPr lang="en" dirty="0"/>
               <a:t>NUESTRO PROCESO</a:t>
             </a:r>
             <a:endParaRPr/>
@@ -24744,7 +24750,7 @@
               <a:buNone/>
             </a:pPr>
             <a:r>
-              <a:rPr lang="en" dirty="0" smtClean="0"/>
+              <a:rPr lang="en" dirty="0"/>
               <a:t>PROBLEMA</a:t>
             </a:r>
             <a:endParaRPr/>
@@ -24763,7 +24769,7 @@
         </p:nvSpPr>
         <p:spPr>
           <a:xfrm>
-            <a:off x="1223300" y="3538030"/>
+            <a:off x="911400" y="3538030"/>
             <a:ext cx="1755600" cy="951870"/>
           </a:xfrm>
           <a:prstGeom prst="rect">
@@ -24776,7 +24782,7 @@
           </a:bodyPr>
           <a:lstStyle/>
           <a:p>
-            <a:pPr marL="0" lvl="0" indent="0" algn="l" rtl="0">
+            <a:pPr marL="0" lvl="0" indent="0" algn="ctr" rtl="0">
               <a:spcBef>
                 <a:spcPts val="0"/>
               </a:spcBef>
@@ -24786,10 +24792,10 @@
               <a:buNone/>
             </a:pPr>
             <a:r>
-              <a:rPr lang="en" dirty="0" smtClean="0"/>
-              <a:t>Donde invertir en gastronomia en Estados Unidos</a:t>
+              <a:rPr lang="en" dirty="0"/>
+              <a:t>¿Dónde invertir encuanto a gastronomía en Estados Unidos?</a:t>
             </a:r>
-            <a:endParaRPr/>
+            <a:endParaRPr dirty="0"/>
           </a:p>
         </p:txBody>
       </p:sp>
@@ -24847,7 +24853,7 @@
         </p:nvSpPr>
         <p:spPr>
           <a:xfrm>
-            <a:off x="3942827" y="3829680"/>
+            <a:off x="3942827" y="3867150"/>
             <a:ext cx="1755600" cy="572400"/>
           </a:xfrm>
           <a:prstGeom prst="rect">
@@ -24860,7 +24866,7 @@
           </a:bodyPr>
           <a:lstStyle/>
           <a:p>
-            <a:pPr marL="0" lvl="0" indent="0" algn="l" rtl="0">
+            <a:pPr marL="0" lvl="0" indent="0" algn="just" rtl="0">
               <a:spcBef>
                 <a:spcPts val="0"/>
               </a:spcBef>
@@ -24870,10 +24876,10 @@
               <a:buNone/>
             </a:pPr>
             <a:r>
-              <a:rPr lang="en" dirty="0" smtClean="0"/>
-              <a:t>Analisis de la base de datos de Google Maps y Yelp</a:t>
+              <a:rPr lang="en" dirty="0"/>
+              <a:t>Análisis de la base de datos de Google Maps y Yelp</a:t>
             </a:r>
-            <a:endParaRPr/>
+            <a:endParaRPr dirty="0"/>
           </a:p>
         </p:txBody>
       </p:sp>
@@ -24954,7 +24960,7 @@
               <a:buNone/>
             </a:pPr>
             <a:r>
-              <a:rPr lang="en" dirty="0" smtClean="0"/>
+              <a:rPr lang="en" dirty="0"/>
               <a:t>TABLA DE CONTENIDOS</a:t>
             </a:r>
             <a:endParaRPr/>
@@ -28480,7 +28486,7 @@
               <a:buNone/>
             </a:pPr>
             <a:r>
-              <a:rPr lang="es-ES" dirty="0" smtClean="0"/>
+              <a:rPr lang="es-ES" dirty="0"/>
               <a:t>Encontrar las tendencias o rubros en crecimiento. </a:t>
             </a:r>
           </a:p>
@@ -28488,38 +28494,38 @@
             <a:pPr marL="0" lvl="0" indent="0">
               <a:buNone/>
             </a:pPr>
-            <a:endParaRPr lang="es-ES" dirty="0" smtClean="0"/>
+            <a:endParaRPr lang="es-ES" dirty="0"/>
           </a:p>
           <a:p>
             <a:pPr marL="0" indent="0"/>
             <a:r>
-              <a:rPr lang="es-ES" i="1" dirty="0" smtClean="0"/>
+              <a:rPr lang="es-ES" i="1" dirty="0"/>
               <a:t> </a:t>
             </a:r>
             <a:r>
-              <a:rPr lang="es-ES" b="1" dirty="0" smtClean="0"/>
+              <a:rPr lang="es-ES" b="1" dirty="0"/>
               <a:t>Tasa de variación mensual en el número de </a:t>
             </a:r>
             <a:r>
-              <a:rPr lang="es-ES" b="1" dirty="0" err="1" smtClean="0"/>
+              <a:rPr lang="es-ES" b="1" dirty="0" err="1"/>
               <a:t>reviews</a:t>
             </a:r>
-            <a:endParaRPr lang="es-ES" b="1" dirty="0" smtClean="0"/>
+            <a:endParaRPr lang="es-ES" b="1" dirty="0"/>
           </a:p>
           <a:p>
             <a:pPr marL="0" indent="0">
               <a:buNone/>
             </a:pPr>
             <a:r>
-              <a:rPr lang="es-ES" i="1" dirty="0" smtClean="0"/>
+              <a:rPr lang="es-ES" i="1" dirty="0"/>
               <a:t>"Aumentar en 10% la cantidad de </a:t>
             </a:r>
             <a:r>
-              <a:rPr lang="es-ES" i="1" dirty="0" err="1" smtClean="0"/>
+              <a:rPr lang="es-ES" i="1" dirty="0" err="1"/>
               <a:t>reviews</a:t>
             </a:r>
             <a:r>
-              <a:rPr lang="es-ES" i="1" dirty="0" smtClean="0"/>
+              <a:rPr lang="es-ES" i="1" dirty="0"/>
               <a:t> que reciben los diferentes restaurantes del consorcio en los próximos 6 meses"</a:t>
             </a:r>
           </a:p>
@@ -28527,16 +28533,16 @@
             <a:pPr marL="0" indent="0">
               <a:buNone/>
             </a:pPr>
-            <a:endParaRPr lang="es-ES" i="1" dirty="0" smtClean="0"/>
+            <a:endParaRPr lang="es-ES" i="1" dirty="0"/>
           </a:p>
           <a:p>
             <a:pPr marL="0" indent="0"/>
             <a:r>
-              <a:rPr lang="es-ES" i="1" dirty="0" smtClean="0"/>
+              <a:rPr lang="es-ES" i="1" dirty="0"/>
               <a:t> </a:t>
             </a:r>
             <a:r>
-              <a:rPr lang="es-ES" b="1" dirty="0" smtClean="0"/>
+              <a:rPr lang="es-ES" b="1" dirty="0"/>
               <a:t>Calificación promedio por categoría de restaurante</a:t>
             </a:r>
           </a:p>
@@ -28545,7 +28551,7 @@
               <a:buNone/>
             </a:pPr>
             <a:r>
-              <a:rPr lang="es-ES" i="1" dirty="0" smtClean="0"/>
+              <a:rPr lang="es-ES" i="1" dirty="0"/>
               <a:t>"Ofertar un servicio de calidad que satisfaga a los clientes, permitiendo mantener una calificación mayor a 4.5 sobre 5 puntos en cada una de las diferentes categorías de restaurantes que formen parte del consorcio en los próximos 6 meses"</a:t>
             </a:r>
           </a:p>
@@ -28553,16 +28559,16 @@
             <a:pPr marL="0" indent="0">
               <a:buNone/>
             </a:pPr>
-            <a:endParaRPr lang="es-ES" i="1" dirty="0" smtClean="0"/>
+            <a:endParaRPr lang="es-ES" i="1" dirty="0"/>
           </a:p>
           <a:p>
             <a:pPr marL="0" indent="0"/>
             <a:r>
-              <a:rPr lang="en-US" i="1" dirty="0" smtClean="0"/>
+              <a:rPr lang="en-US" i="1" dirty="0"/>
               <a:t> </a:t>
             </a:r>
             <a:r>
-              <a:rPr lang="en-US" b="1" dirty="0" smtClean="0"/>
+              <a:rPr lang="en-US" b="1" dirty="0"/>
               <a:t>Engagement</a:t>
             </a:r>
           </a:p>
@@ -28571,15 +28577,15 @@
               <a:buNone/>
             </a:pPr>
             <a:r>
-              <a:rPr lang="es-ES" i="1" dirty="0" smtClean="0"/>
+              <a:rPr lang="es-ES" i="1" dirty="0"/>
               <a:t>"Mostrar el compromiso del consorcio con la satisfacción del cliente al incrementar el </a:t>
             </a:r>
             <a:r>
-              <a:rPr lang="es-ES" i="1" dirty="0" err="1" smtClean="0"/>
+              <a:rPr lang="es-ES" i="1" dirty="0" err="1"/>
               <a:t>engagement</a:t>
             </a:r>
             <a:r>
-              <a:rPr lang="es-ES" i="1" dirty="0" smtClean="0"/>
+              <a:rPr lang="es-ES" i="1" dirty="0"/>
               <a:t> un 10% en los próximos 6 meses“</a:t>
             </a:r>
           </a:p>
@@ -28587,16 +28593,16 @@
             <a:pPr marL="0" indent="0">
               <a:buNone/>
             </a:pPr>
-            <a:endParaRPr lang="en-US" i="1" dirty="0" smtClean="0"/>
+            <a:endParaRPr lang="en-US" i="1" dirty="0"/>
           </a:p>
           <a:p>
             <a:pPr marL="0" indent="0"/>
             <a:r>
-              <a:rPr lang="es-ES" i="1" dirty="0" smtClean="0"/>
+              <a:rPr lang="es-ES" i="1" dirty="0"/>
               <a:t> </a:t>
             </a:r>
             <a:r>
-              <a:rPr lang="es-ES" b="1" dirty="0" smtClean="0"/>
+              <a:rPr lang="es-ES" b="1" dirty="0"/>
               <a:t>Tasa de retención de clientes</a:t>
             </a:r>
           </a:p>
@@ -28605,18 +28611,18 @@
               <a:buNone/>
             </a:pPr>
             <a:r>
-              <a:rPr lang="es-ES" i="1" dirty="0" smtClean="0"/>
+              <a:rPr lang="es-ES" i="1" dirty="0"/>
               <a:t>"Aumentar la tasa de retención de clientes en 5% en los próximos 6 meses y asegurar que no baje de 30%"</a:t>
             </a:r>
           </a:p>
           <a:p>
             <a:pPr marL="0" indent="0"/>
-            <a:endParaRPr lang="es-ES" i="1" dirty="0" smtClean="0"/>
+            <a:endParaRPr lang="es-ES" i="1" dirty="0"/>
           </a:p>
           <a:p>
             <a:pPr marL="0" indent="0"/>
             <a:r>
-              <a:rPr lang="es-ES" b="1" dirty="0" smtClean="0"/>
+              <a:rPr lang="es-ES" b="1" dirty="0"/>
               <a:t> Índice de recomendación de clientes</a:t>
             </a:r>
           </a:p>
@@ -28625,7 +28631,7 @@
               <a:buNone/>
             </a:pPr>
             <a:r>
-              <a:rPr lang="es-ES" i="1" dirty="0" smtClean="0"/>
+              <a:rPr lang="es-ES" i="1" dirty="0"/>
               <a:t>“Aumentar el índice de recomendación de clientes en 5% en los próximos 6 meses”</a:t>
             </a:r>
           </a:p>
@@ -28633,7 +28639,7 @@
             <a:pPr marL="0" indent="0">
               <a:buNone/>
             </a:pPr>
-            <a:endParaRPr lang="en-US" dirty="0" smtClean="0"/>
+            <a:endParaRPr lang="en-US" dirty="0"/>
           </a:p>
         </p:txBody>
       </p:sp>
@@ -28664,7 +28670,7 @@
           <a:p>
             <a:pPr lvl="0"/>
             <a:r>
-              <a:rPr lang="en-US" dirty="0" smtClean="0"/>
+              <a:rPr lang="en-US" dirty="0"/>
               <a:t>METRICAS y KPIs</a:t>
             </a:r>
             <a:endParaRPr/>
@@ -28750,7 +28756,7 @@
               <a:buNone/>
             </a:pPr>
             <a:r>
-              <a:rPr lang="es-ES" dirty="0" smtClean="0"/>
+              <a:rPr lang="es-ES" dirty="0"/>
               <a:t>Identificar las mejores zonas para desplegar los restaurantes del consorcio. </a:t>
             </a:r>
           </a:p>
@@ -28758,16 +28764,16 @@
             <a:pPr marL="0" indent="0">
               <a:buNone/>
             </a:pPr>
-            <a:endParaRPr lang="es-ES" dirty="0" smtClean="0"/>
+            <a:endParaRPr lang="es-ES" dirty="0"/>
           </a:p>
           <a:p>
             <a:pPr marL="0" indent="0"/>
             <a:r>
-              <a:rPr lang="en-US" i="1" dirty="0" smtClean="0"/>
+              <a:rPr lang="en-US" i="1" dirty="0"/>
               <a:t> </a:t>
             </a:r>
             <a:r>
-              <a:rPr lang="es-ES" b="1" dirty="0" smtClean="0"/>
+              <a:rPr lang="es-ES" b="1" dirty="0"/>
               <a:t>Densidad de restaurantes por zona</a:t>
             </a:r>
           </a:p>
@@ -28776,7 +28782,7 @@
               <a:buNone/>
             </a:pPr>
             <a:r>
-              <a:rPr lang="es-ES" b="1" dirty="0" smtClean="0"/>
+              <a:rPr lang="es-ES" b="1" dirty="0"/>
               <a:t>Identificar las 5 zonas con menor densidad de restaurantes en el país de forma anual, lo que representa la oportunidad de apertura de nuevos locales del consorcio</a:t>
             </a:r>
           </a:p>
@@ -28784,16 +28790,16 @@
             <a:pPr marL="0" indent="0">
               <a:buNone/>
             </a:pPr>
-            <a:endParaRPr lang="en-US" i="1" dirty="0" smtClean="0"/>
+            <a:endParaRPr lang="en-US" i="1" dirty="0"/>
           </a:p>
           <a:p>
             <a:pPr marL="0" indent="0"/>
             <a:r>
-              <a:rPr lang="es-ES" i="1" dirty="0" smtClean="0"/>
+              <a:rPr lang="es-ES" i="1" dirty="0"/>
               <a:t> </a:t>
             </a:r>
             <a:r>
-              <a:rPr lang="es-ES" b="1" dirty="0" smtClean="0"/>
+              <a:rPr lang="es-ES" b="1" dirty="0"/>
               <a:t>Calificación promedio de restaurantes por zona</a:t>
             </a:r>
           </a:p>
@@ -28802,7 +28808,7 @@
               <a:buNone/>
             </a:pPr>
             <a:r>
-              <a:rPr lang="es-ES" i="1" dirty="0" smtClean="0"/>
+              <a:rPr lang="es-ES" i="1" dirty="0"/>
               <a:t>"Mantener la calificación de los restaurantes que forman parte del consorcio por encima de 4.5 dentro de los próximos 6 meses, ofreciendo un servicio de calidad y atacando las fallas reportadas por los clientes"</a:t>
             </a:r>
           </a:p>
@@ -28835,7 +28841,7 @@
           <a:p>
             <a:pPr lvl="0"/>
             <a:r>
-              <a:rPr lang="en-US" dirty="0" smtClean="0"/>
+              <a:rPr lang="en-US" dirty="0"/>
               <a:t>METRICAS y KPIs</a:t>
             </a:r>
             <a:endParaRPr/>
@@ -29019,7 +29025,7 @@
               <a:buNone/>
             </a:pPr>
             <a:r>
-              <a:rPr lang="en" dirty="0" smtClean="0"/>
+              <a:rPr lang="en" dirty="0"/>
               <a:t>Fuente de datos</a:t>
             </a:r>
             <a:endParaRPr/>
@@ -29429,7 +29435,7 @@
           <a:p>
             <a:pPr lvl="0" algn="ctr"/>
             <a:r>
-              <a:rPr lang="en-US" sz="2000" dirty="0" smtClean="0">
+              <a:rPr lang="en-US" sz="2000" dirty="0">
                 <a:solidFill>
                   <a:schemeClr val="bg1"/>
                 </a:solidFill>
@@ -29440,15 +29446,6 @@
               </a:rPr>
               <a:t>Google Maps</a:t>
             </a:r>
-            <a:endParaRPr lang="en-US" sz="2000" dirty="0">
-              <a:solidFill>
-                <a:schemeClr val="bg1"/>
-              </a:solidFill>
-              <a:latin typeface="Share Tech"/>
-              <a:ea typeface="Share Tech"/>
-              <a:cs typeface="Share Tech"/>
-              <a:sym typeface="Share Tech"/>
-            </a:endParaRPr>
           </a:p>
         </p:txBody>
       </p:sp>
@@ -29474,34 +29471,14 @@
           <a:lstStyle/>
           <a:p>
             <a:r>
-              <a:rPr lang="en" dirty="0" smtClean="0">
+              <a:rPr lang="en" dirty="0">
                 <a:solidFill>
                   <a:schemeClr val="lt1"/>
                 </a:solidFill>
                 <a:latin typeface="Maven Pro"/>
                 <a:sym typeface="Maven Pro"/>
               </a:rPr>
-              <a:t>Base de datos de ubicacion geografica de comercios en Estados Unidos, y reviews de dichos comercios a partir de </a:t>
-            </a:r>
-            <a:r>
-              <a:rPr lang="en" dirty="0" smtClean="0">
-                <a:solidFill>
-                  <a:schemeClr val="lt1"/>
-                </a:solidFill>
-                <a:latin typeface="Maven Pro"/>
-                <a:sym typeface="Maven Pro"/>
-              </a:rPr>
-              <a:t>2003 </a:t>
-            </a:r>
-            <a:r>
-              <a:rPr lang="en" dirty="0" smtClean="0">
-                <a:solidFill>
-                  <a:schemeClr val="lt1"/>
-                </a:solidFill>
-                <a:latin typeface="Maven Pro"/>
-                <a:sym typeface="Maven Pro"/>
-              </a:rPr>
-              <a:t>hasta 2021</a:t>
+              <a:t>Base de datos de ubicacion geografica de comercios en Estados Unidos, y reviews de dichos comercios a partir de 2003 hasta 2021</a:t>
             </a:r>
             <a:endParaRPr lang="en-US" dirty="0"/>
           </a:p>
@@ -29674,7 +29651,7 @@
           <a:p>
             <a:pPr lvl="0" algn="ctr"/>
             <a:r>
-              <a:rPr lang="en-US" sz="2000" dirty="0" smtClean="0">
+              <a:rPr lang="en-US" sz="2000" dirty="0">
                 <a:solidFill>
                   <a:schemeClr val="bg1"/>
                 </a:solidFill>
@@ -29685,15 +29662,6 @@
               </a:rPr>
               <a:t>Yelp</a:t>
             </a:r>
-            <a:endParaRPr lang="en-US" sz="2000" dirty="0">
-              <a:solidFill>
-                <a:schemeClr val="bg1"/>
-              </a:solidFill>
-              <a:latin typeface="Share Tech"/>
-              <a:ea typeface="Share Tech"/>
-              <a:cs typeface="Share Tech"/>
-              <a:sym typeface="Share Tech"/>
-            </a:endParaRPr>
           </a:p>
         </p:txBody>
       </p:sp>
@@ -29719,34 +29687,14 @@
           <a:lstStyle/>
           <a:p>
             <a:r>
-              <a:rPr lang="en" dirty="0" smtClean="0">
+              <a:rPr lang="en" dirty="0">
                 <a:solidFill>
                   <a:schemeClr val="lt1"/>
                 </a:solidFill>
                 <a:latin typeface="Maven Pro"/>
                 <a:sym typeface="Maven Pro"/>
               </a:rPr>
-              <a:t>Base de datos con informacion de comercios en Estados Unidos, con reviews y datos de los usuarios a partir de </a:t>
-            </a:r>
-            <a:r>
-              <a:rPr lang="en" dirty="0" smtClean="0">
-                <a:solidFill>
-                  <a:schemeClr val="lt1"/>
-                </a:solidFill>
-                <a:latin typeface="Maven Pro"/>
-                <a:sym typeface="Maven Pro"/>
-              </a:rPr>
-              <a:t>2004 </a:t>
-            </a:r>
-            <a:r>
-              <a:rPr lang="en" dirty="0" smtClean="0">
-                <a:solidFill>
-                  <a:schemeClr val="lt1"/>
-                </a:solidFill>
-                <a:latin typeface="Maven Pro"/>
-                <a:sym typeface="Maven Pro"/>
-              </a:rPr>
-              <a:t>hasta 2021</a:t>
+              <a:t>Base de datos con informacion de comercios en Estados Unidos, con reviews y datos de los usuarios a partir de 2004 hasta 2021</a:t>
             </a:r>
             <a:endParaRPr lang="en-US" dirty="0"/>
           </a:p>
@@ -29883,7 +29831,7 @@
           <a:p>
             <a:pPr lvl="0"/>
             <a:r>
-              <a:rPr lang="en" dirty="0" smtClean="0"/>
+              <a:rPr lang="en" dirty="0"/>
               <a:t>STACK TECNOLOGICO</a:t>
             </a:r>
             <a:endParaRPr sz="3000"/>
@@ -29925,11 +29873,11 @@
               <a:buNone/>
             </a:pPr>
             <a:r>
-              <a:rPr lang="en-US" dirty="0" smtClean="0"/>
+              <a:rPr lang="en-US" dirty="0"/>
               <a:t>C</a:t>
             </a:r>
             <a:r>
-              <a:rPr lang="en" dirty="0" smtClean="0"/>
+              <a:rPr lang="en" dirty="0"/>
               <a:t>assandra</a:t>
             </a:r>
             <a:endParaRPr/>
@@ -29971,7 +29919,7 @@
               <a:buNone/>
             </a:pPr>
             <a:r>
-              <a:rPr lang="en" dirty="0" smtClean="0"/>
+              <a:rPr lang="en" dirty="0"/>
               <a:t>Framework Mage</a:t>
             </a:r>
             <a:endParaRPr/>
@@ -30009,7 +29957,7 @@
               </a:spcAft>
             </a:pPr>
             <a:r>
-              <a:rPr lang="en-US" dirty="0" err="1" smtClean="0"/>
+              <a:rPr lang="en-US" dirty="0" err="1"/>
               <a:t>Visualización</a:t>
             </a:r>
             <a:endParaRPr lang="en-US" dirty="0"/>
@@ -30051,7 +29999,7 @@
               <a:buNone/>
             </a:pPr>
             <a:r>
-              <a:rPr lang="en" dirty="0" smtClean="0"/>
+              <a:rPr lang="en" dirty="0"/>
               <a:t>PYTHON</a:t>
             </a:r>
             <a:endParaRPr/>
@@ -30089,27 +30037,27 @@
               </a:spcAft>
             </a:pPr>
             <a:r>
-              <a:rPr lang="es-ES" dirty="0" smtClean="0"/>
+              <a:rPr lang="es-ES" dirty="0"/>
               <a:t>Y librerías asociadas como Pandas, </a:t>
             </a:r>
             <a:r>
-              <a:rPr lang="es-ES" dirty="0" err="1" smtClean="0"/>
+              <a:rPr lang="es-ES" dirty="0" err="1"/>
               <a:t>MatplotLib</a:t>
             </a:r>
             <a:r>
-              <a:rPr lang="es-ES" dirty="0" smtClean="0"/>
+              <a:rPr lang="es-ES" dirty="0"/>
               <a:t>, </a:t>
             </a:r>
             <a:r>
-              <a:rPr lang="es-ES" dirty="0" err="1" smtClean="0"/>
+              <a:rPr lang="es-ES" dirty="0" err="1"/>
               <a:t>Seaborn</a:t>
             </a:r>
             <a:r>
-              <a:rPr lang="es-ES" dirty="0" smtClean="0"/>
+              <a:rPr lang="es-ES" dirty="0"/>
               <a:t>, </a:t>
             </a:r>
             <a:r>
-              <a:rPr lang="es-ES" dirty="0" err="1" smtClean="0"/>
+              <a:rPr lang="es-ES" dirty="0" err="1"/>
               <a:t>etc</a:t>
             </a:r>
             <a:endParaRPr lang="es-ES" dirty="0"/>
@@ -30147,10 +30095,9 @@
               </a:spcAft>
             </a:pPr>
             <a:r>
-              <a:rPr lang="es-ES" dirty="0" smtClean="0"/>
+              <a:rPr lang="es-ES" dirty="0"/>
               <a:t>Servidor de la Base de Datos</a:t>
             </a:r>
-            <a:endParaRPr lang="es-ES" dirty="0"/>
           </a:p>
         </p:txBody>
       </p:sp>
@@ -30185,10 +30132,9 @@
               </a:spcAft>
             </a:pPr>
             <a:r>
-              <a:rPr lang="es-ES" dirty="0" smtClean="0"/>
+              <a:rPr lang="es-ES" dirty="0"/>
               <a:t>Diseño y orquestación del pipeline</a:t>
             </a:r>
-            <a:endParaRPr lang="es-ES" dirty="0"/>
           </a:p>
         </p:txBody>
       </p:sp>
@@ -30227,7 +30173,7 @@
               <a:buNone/>
             </a:pPr>
             <a:r>
-              <a:rPr lang="en" dirty="0" smtClean="0"/>
+              <a:rPr lang="en" dirty="0"/>
               <a:t>Power BI</a:t>
             </a:r>
             <a:endParaRPr/>
@@ -31110,6 +31056,60 @@
       </p:grpSpPr>
       <p:sp>
         <p:nvSpPr>
+          <p:cNvPr id="3" name="Rectángulo: esquinas redondeadas 2">
+            <a:extLst>
+              <a:ext uri="{FF2B5EF4-FFF2-40B4-BE49-F238E27FC236}">
+                <a16:creationId xmlns:a16="http://schemas.microsoft.com/office/drawing/2014/main" id="{D684ED3F-3A70-C141-953A-118305953C17}"/>
+              </a:ext>
+            </a:extLst>
+          </p:cNvPr>
+          <p:cNvSpPr/>
+          <p:nvPr/>
+        </p:nvSpPr>
+        <p:spPr>
+          <a:xfrm>
+            <a:off x="543172" y="2114550"/>
+            <a:ext cx="7991228" cy="2057400"/>
+          </a:xfrm>
+          <a:prstGeom prst="roundRect">
+            <a:avLst/>
+          </a:prstGeom>
+          <a:solidFill>
+            <a:schemeClr val="bg1">
+              <a:lumMod val="85000"/>
+            </a:schemeClr>
+          </a:solidFill>
+          <a:ln>
+            <a:noFill/>
+          </a:ln>
+        </p:spPr>
+        <p:style>
+          <a:lnRef idx="2">
+            <a:schemeClr val="accent1">
+              <a:shade val="15000"/>
+            </a:schemeClr>
+          </a:lnRef>
+          <a:fillRef idx="1">
+            <a:schemeClr val="accent1"/>
+          </a:fillRef>
+          <a:effectRef idx="0">
+            <a:schemeClr val="accent1"/>
+          </a:effectRef>
+          <a:fontRef idx="minor">
+            <a:schemeClr val="lt1"/>
+          </a:fontRef>
+        </p:style>
+        <p:txBody>
+          <a:bodyPr rtlCol="0" anchor="ctr"/>
+          <a:lstStyle/>
+          <a:p>
+            <a:pPr algn="ctr"/>
+            <a:endParaRPr lang="es-CO"/>
+          </a:p>
+        </p:txBody>
+      </p:sp>
+      <p:sp>
+        <p:nvSpPr>
           <p:cNvPr id="2" name="1 Título"/>
           <p:cNvSpPr>
             <a:spLocks noGrp="1"/>
@@ -31129,7 +31129,7 @@
           <a:lstStyle/>
           <a:p>
             <a:r>
-              <a:rPr lang="es-AR" dirty="0" smtClean="0"/>
+              <a:rPr lang="es-AR" dirty="0"/>
               <a:t>DATA ARCHITECTURE</a:t>
             </a:r>
             <a:endParaRPr lang="en-US" dirty="0"/>
@@ -31148,7 +31148,7 @@
           <a:blip r:embed="rId2">
             <a:extLst>
               <a:ext uri="{28A0092B-C50C-407E-A947-70E740481C1C}">
-                <a14:useLocalDpi xmlns:a14="http://schemas.microsoft.com/office/drawing/2010/main" xmlns="" val="0"/>
+                <a14:useLocalDpi xmlns:a14="http://schemas.microsoft.com/office/drawing/2010/main" val="0"/>
               </a:ext>
             </a:extLst>
           </a:blip>
